--- a/企画/企画書/プレゼンテーション1.pptx
+++ b/企画/企画書/プレゼンテーション1.pptx
@@ -217,7 +217,7 @@
           <a:p>
             <a:fld id="{3AF58804-1989-4928-AC3A-7D8C261CE1C6}" type="datetimeFigureOut">
               <a:rPr kumimoji="1" lang="ja-JP" altLang="en-US" smtClean="0"/>
-              <a:t>2017/9/12</a:t>
+              <a:t>2017/9/15</a:t>
             </a:fld>
             <a:endParaRPr kumimoji="1" lang="ja-JP" altLang="en-US"/>
           </a:p>
@@ -1536,7 +1536,7 @@
           <a:p>
             <a:fld id="{F37D479E-B6B9-4720-8E8B-C8A4A95AA0E5}" type="datetimeFigureOut">
               <a:rPr kumimoji="1" lang="ja-JP" altLang="en-US" smtClean="0"/>
-              <a:t>2017/9/12</a:t>
+              <a:t>2017/9/15</a:t>
             </a:fld>
             <a:endParaRPr kumimoji="1" lang="ja-JP" altLang="en-US"/>
           </a:p>
@@ -1738,7 +1738,7 @@
           <a:p>
             <a:fld id="{F37D479E-B6B9-4720-8E8B-C8A4A95AA0E5}" type="datetimeFigureOut">
               <a:rPr kumimoji="1" lang="ja-JP" altLang="en-US" smtClean="0"/>
-              <a:t>2017/9/12</a:t>
+              <a:t>2017/9/15</a:t>
             </a:fld>
             <a:endParaRPr kumimoji="1" lang="ja-JP" altLang="en-US"/>
           </a:p>
@@ -1950,7 +1950,7 @@
           <a:p>
             <a:fld id="{F37D479E-B6B9-4720-8E8B-C8A4A95AA0E5}" type="datetimeFigureOut">
               <a:rPr kumimoji="1" lang="ja-JP" altLang="en-US" smtClean="0"/>
-              <a:t>2017/9/12</a:t>
+              <a:t>2017/9/15</a:t>
             </a:fld>
             <a:endParaRPr kumimoji="1" lang="ja-JP" altLang="en-US"/>
           </a:p>
@@ -2172,7 +2172,7 @@
           <a:p>
             <a:fld id="{F37D479E-B6B9-4720-8E8B-C8A4A95AA0E5}" type="datetimeFigureOut">
               <a:rPr kumimoji="1" lang="ja-JP" altLang="en-US" smtClean="0"/>
-              <a:t>2017/9/12</a:t>
+              <a:t>2017/9/15</a:t>
             </a:fld>
             <a:endParaRPr kumimoji="1" lang="ja-JP" altLang="en-US"/>
           </a:p>
@@ -2416,7 +2416,7 @@
           <a:p>
             <a:fld id="{F37D479E-B6B9-4720-8E8B-C8A4A95AA0E5}" type="datetimeFigureOut">
               <a:rPr kumimoji="1" lang="ja-JP" altLang="en-US" smtClean="0"/>
-              <a:t>2017/9/12</a:t>
+              <a:t>2017/9/15</a:t>
             </a:fld>
             <a:endParaRPr kumimoji="1" lang="ja-JP" altLang="en-US"/>
           </a:p>
@@ -2712,7 +2712,7 @@
           <a:p>
             <a:fld id="{F37D479E-B6B9-4720-8E8B-C8A4A95AA0E5}" type="datetimeFigureOut">
               <a:rPr kumimoji="1" lang="ja-JP" altLang="en-US" smtClean="0"/>
-              <a:t>2017/9/12</a:t>
+              <a:t>2017/9/15</a:t>
             </a:fld>
             <a:endParaRPr kumimoji="1" lang="ja-JP" altLang="en-US"/>
           </a:p>
@@ -3143,7 +3143,7 @@
           <a:p>
             <a:fld id="{F37D479E-B6B9-4720-8E8B-C8A4A95AA0E5}" type="datetimeFigureOut">
               <a:rPr kumimoji="1" lang="ja-JP" altLang="en-US" smtClean="0"/>
-              <a:t>2017/9/12</a:t>
+              <a:t>2017/9/15</a:t>
             </a:fld>
             <a:endParaRPr kumimoji="1" lang="ja-JP" altLang="en-US"/>
           </a:p>
@@ -3261,7 +3261,7 @@
           <a:p>
             <a:fld id="{F37D479E-B6B9-4720-8E8B-C8A4A95AA0E5}" type="datetimeFigureOut">
               <a:rPr kumimoji="1" lang="ja-JP" altLang="en-US" smtClean="0"/>
-              <a:t>2017/9/12</a:t>
+              <a:t>2017/9/15</a:t>
             </a:fld>
             <a:endParaRPr kumimoji="1" lang="ja-JP" altLang="en-US"/>
           </a:p>
@@ -3356,7 +3356,7 @@
           <a:p>
             <a:fld id="{F37D479E-B6B9-4720-8E8B-C8A4A95AA0E5}" type="datetimeFigureOut">
               <a:rPr kumimoji="1" lang="ja-JP" altLang="en-US" smtClean="0"/>
-              <a:t>2017/9/12</a:t>
+              <a:t>2017/9/15</a:t>
             </a:fld>
             <a:endParaRPr kumimoji="1" lang="ja-JP" altLang="en-US"/>
           </a:p>
@@ -3665,7 +3665,7 @@
           <a:p>
             <a:fld id="{F37D479E-B6B9-4720-8E8B-C8A4A95AA0E5}" type="datetimeFigureOut">
               <a:rPr kumimoji="1" lang="ja-JP" altLang="en-US" smtClean="0"/>
-              <a:t>2017/9/12</a:t>
+              <a:t>2017/9/15</a:t>
             </a:fld>
             <a:endParaRPr kumimoji="1" lang="ja-JP" altLang="en-US"/>
           </a:p>
@@ -3922,7 +3922,7 @@
           <a:p>
             <a:fld id="{F37D479E-B6B9-4720-8E8B-C8A4A95AA0E5}" type="datetimeFigureOut">
               <a:rPr kumimoji="1" lang="ja-JP" altLang="en-US" smtClean="0"/>
-              <a:t>2017/9/12</a:t>
+              <a:t>2017/9/15</a:t>
             </a:fld>
             <a:endParaRPr kumimoji="1" lang="ja-JP" altLang="en-US"/>
           </a:p>
@@ -4167,7 +4167,7 @@
           <a:p>
             <a:fld id="{F37D479E-B6B9-4720-8E8B-C8A4A95AA0E5}" type="datetimeFigureOut">
               <a:rPr kumimoji="1" lang="ja-JP" altLang="en-US" smtClean="0"/>
-              <a:t>2017/9/12</a:t>
+              <a:t>2017/9/15</a:t>
             </a:fld>
             <a:endParaRPr kumimoji="1" lang="ja-JP" altLang="en-US"/>
           </a:p>
@@ -4272,6 +4272,13 @@
     <p:sldLayoutId id="2147483670" r:id="rId10"/>
     <p:sldLayoutId id="2147483671" r:id="rId11"/>
   </p:sldLayoutIdLst>
+  <p:timing>
+    <p:tnLst>
+      <p:par>
+        <p:cTn id="1" dur="indefinite" restart="never" nodeType="tmRoot"/>
+      </p:par>
+    </p:tnLst>
+  </p:timing>
   <p:txStyles>
     <p:titleStyle>
       <a:lvl1pPr algn="l" defTabSz="914400" rtl="0" eaLnBrk="1" latinLnBrk="0" hangingPunct="1">
@@ -5039,8 +5046,8 @@
         </p:nvSpPr>
         <p:spPr>
           <a:xfrm>
-            <a:off x="628650" y="2628900"/>
-            <a:ext cx="7886700" cy="1600200"/>
+            <a:off x="622300" y="3149600"/>
+            <a:ext cx="7893050" cy="1079500"/>
           </a:xfrm>
         </p:spPr>
         <p:txBody>
@@ -5053,24 +5060,10 @@
               <a:buNone/>
             </a:pPr>
             <a:r>
-              <a:rPr lang="ja-JP" altLang="en-US" sz="4800" b="1" dirty="0"/>
-              <a:t>派手なスキルを</a:t>
-            </a:r>
-            <a:r>
-              <a:rPr lang="ja-JP" altLang="en-US" sz="4800" b="1" dirty="0" smtClean="0"/>
-              <a:t>使う</a:t>
-            </a:r>
-            <a:endParaRPr lang="en-US" altLang="ja-JP" sz="4800" b="1" dirty="0" smtClean="0"/>
-          </a:p>
-          <a:p>
-            <a:pPr marL="0" indent="0" algn="ctr">
-              <a:buNone/>
-            </a:pPr>
-            <a:r>
-              <a:rPr lang="ja-JP" altLang="en-US" sz="4800" b="1" dirty="0" smtClean="0"/>
-              <a:t>アクションゲーム</a:t>
-            </a:r>
-            <a:endParaRPr lang="ja-JP" altLang="en-US" sz="4800" b="1" dirty="0"/>
+              <a:rPr lang="ja-JP" altLang="en-US" sz="4400" b="1" dirty="0" smtClean="0"/>
+              <a:t>古の力で未知の脅威と戦う！</a:t>
+            </a:r>
+            <a:endParaRPr lang="ja-JP" altLang="en-US" sz="4400" b="1" dirty="0"/>
           </a:p>
         </p:txBody>
       </p:sp>
@@ -5291,8 +5284,8 @@
         </p:nvSpPr>
         <p:spPr>
           <a:xfrm>
-            <a:off x="3026972" y="1346180"/>
-            <a:ext cx="5057795" cy="1231106"/>
+            <a:off x="3026972" y="1453782"/>
+            <a:ext cx="5057795" cy="1384995"/>
           </a:xfrm>
           <a:prstGeom prst="rect">
             <a:avLst/>
@@ -5307,23 +5300,17 @@
           <a:p>
             <a:r>
               <a:rPr kumimoji="1" lang="en-US" altLang="ja-JP" sz="2400" dirty="0" smtClean="0"/>
-              <a:t>【</a:t>
-            </a:r>
-            <a:r>
-              <a:rPr kumimoji="1" lang="ja-JP" altLang="en-US" sz="2400" dirty="0" smtClean="0"/>
-              <a:t>アクション</a:t>
-            </a:r>
-            <a:r>
-              <a:rPr kumimoji="1" lang="en-US" altLang="ja-JP" sz="2400" dirty="0" smtClean="0"/>
-              <a:t>】</a:t>
-            </a:r>
-          </a:p>
-          <a:p>
-            <a:pPr>
-              <a:lnSpc>
-                <a:spcPct val="150000"/>
-              </a:lnSpc>
-            </a:pPr>
+              <a:t>【】</a:t>
+            </a:r>
+          </a:p>
+          <a:p>
+            <a:r>
+              <a:rPr lang="ja-JP" altLang="en-US" sz="2000" dirty="0" smtClean="0"/>
+              <a:t>　アクション</a:t>
+            </a:r>
+            <a:endParaRPr kumimoji="1" lang="en-US" altLang="ja-JP" sz="2000" dirty="0" smtClean="0"/>
+          </a:p>
+          <a:p>
             <a:r>
               <a:rPr lang="ja-JP" altLang="en-US" sz="2000" dirty="0" smtClean="0"/>
               <a:t>　プレイヤーの</a:t>
@@ -5363,8 +5350,8 @@
         </p:nvSpPr>
         <p:spPr>
           <a:xfrm>
-            <a:off x="3026972" y="3069520"/>
-            <a:ext cx="5057795" cy="1231106"/>
+            <a:off x="3026971" y="3177122"/>
+            <a:ext cx="5057795" cy="1384995"/>
           </a:xfrm>
           <a:prstGeom prst="rect">
             <a:avLst/>
@@ -5382,8 +5369,12 @@
               <a:t>【</a:t>
             </a:r>
             <a:r>
-              <a:rPr kumimoji="1" lang="ja-JP" altLang="en-US" sz="2400" dirty="0" smtClean="0"/>
-              <a:t>スキル</a:t>
+              <a:rPr lang="ja-JP" altLang="en-US" sz="2400" dirty="0"/>
+              <a:t>形勢逆転の</a:t>
+            </a:r>
+            <a:r>
+              <a:rPr lang="ja-JP" altLang="en-US" sz="2400" dirty="0" smtClean="0"/>
+              <a:t>必殺</a:t>
             </a:r>
             <a:r>
               <a:rPr kumimoji="1" lang="en-US" altLang="ja-JP" sz="2400" dirty="0" smtClean="0"/>
@@ -5391,11 +5382,17 @@
             </a:r>
           </a:p>
           <a:p>
-            <a:pPr>
-              <a:lnSpc>
-                <a:spcPct val="150000"/>
-              </a:lnSpc>
-            </a:pPr>
+            <a:r>
+              <a:rPr lang="ja-JP" altLang="en-US" sz="2000" dirty="0"/>
+              <a:t>　</a:t>
+            </a:r>
+            <a:r>
+              <a:rPr lang="ja-JP" altLang="en-US" sz="2000" dirty="0" smtClean="0"/>
+              <a:t>スキル</a:t>
+            </a:r>
+            <a:endParaRPr kumimoji="1" lang="en-US" altLang="ja-JP" sz="2000" dirty="0" smtClean="0"/>
+          </a:p>
+          <a:p>
             <a:r>
               <a:rPr kumimoji="1" lang="ja-JP" altLang="en-US" sz="2000" dirty="0" smtClean="0"/>
               <a:t>　ゲージを消費し敵に大ダメージを与える</a:t>
@@ -5419,8 +5416,8 @@
         </p:nvSpPr>
         <p:spPr>
           <a:xfrm>
-            <a:off x="3026972" y="4792860"/>
-            <a:ext cx="5057795" cy="1231106"/>
+            <a:off x="3026970" y="4900462"/>
+            <a:ext cx="5057795" cy="1384995"/>
           </a:xfrm>
           <a:prstGeom prst="rect">
             <a:avLst/>
@@ -5435,23 +5432,17 @@
           <a:p>
             <a:r>
               <a:rPr kumimoji="1" lang="en-US" altLang="ja-JP" sz="2400" dirty="0" smtClean="0"/>
-              <a:t>【</a:t>
-            </a:r>
-            <a:r>
-              <a:rPr kumimoji="1" lang="ja-JP" altLang="en-US" sz="2400" dirty="0" smtClean="0"/>
-              <a:t>ボスエネミー</a:t>
-            </a:r>
-            <a:r>
-              <a:rPr kumimoji="1" lang="en-US" altLang="ja-JP" sz="2400" dirty="0" smtClean="0"/>
-              <a:t>】</a:t>
-            </a:r>
-          </a:p>
-          <a:p>
-            <a:pPr>
-              <a:lnSpc>
-                <a:spcPct val="150000"/>
-              </a:lnSpc>
-            </a:pPr>
+              <a:t>【】</a:t>
+            </a:r>
+          </a:p>
+          <a:p>
+            <a:r>
+              <a:rPr lang="ja-JP" altLang="en-US" sz="2000" dirty="0" smtClean="0"/>
+              <a:t>　ボスエネミー</a:t>
+            </a:r>
+            <a:endParaRPr kumimoji="1" lang="en-US" altLang="ja-JP" sz="2000" dirty="0" smtClean="0"/>
+          </a:p>
+          <a:p>
             <a:r>
               <a:rPr lang="ja-JP" altLang="en-US" sz="2000" dirty="0" smtClean="0"/>
               <a:t>　ステージ最奥でプレイヤーを待ち受ける</a:t>
@@ -5992,10 +5983,6 @@
           </a:bodyPr>
           <a:lstStyle/>
           <a:p>
-            <a:r>
-              <a:rPr kumimoji="1" lang="ja-JP" altLang="en-US" dirty="0" smtClean="0"/>
-              <a:t>スキル</a:t>
-            </a:r>
             <a:endParaRPr kumimoji="1" lang="ja-JP" altLang="en-US" dirty="0"/>
           </a:p>
         </p:txBody>
@@ -6085,7 +6072,7 @@
           <a:p>
             <a:r>
               <a:rPr kumimoji="1" lang="ja-JP" altLang="en-US" dirty="0" smtClean="0"/>
-              <a:t>スキル</a:t>
+              <a:t>連鎖する雷の矢</a:t>
             </a:r>
             <a:endParaRPr kumimoji="1" lang="ja-JP" altLang="en-US" dirty="0"/>
           </a:p>
@@ -6118,11 +6105,7 @@
             </a:pPr>
             <a:r>
               <a:rPr kumimoji="1" lang="ja-JP" altLang="en-US" dirty="0" smtClean="0"/>
-              <a:t>■弓</a:t>
-            </a:r>
-            <a:r>
-              <a:rPr kumimoji="1" lang="ja-JP" altLang="en-US" dirty="0" smtClean="0"/>
-              <a:t>（範囲攻撃）</a:t>
+              <a:t>■弓（範囲攻撃）</a:t>
             </a:r>
             <a:endParaRPr kumimoji="1" lang="en-US" altLang="ja-JP" dirty="0" smtClean="0"/>
           </a:p>
@@ -6212,10 +6195,6 @@
           </a:bodyPr>
           <a:lstStyle/>
           <a:p>
-            <a:r>
-              <a:rPr kumimoji="1" lang="ja-JP" altLang="en-US" dirty="0" smtClean="0"/>
-              <a:t>スキル</a:t>
-            </a:r>
             <a:endParaRPr kumimoji="1" lang="ja-JP" altLang="en-US" dirty="0"/>
           </a:p>
         </p:txBody>
@@ -6367,7 +6346,7 @@
           <a:bodyPr/>
           <a:lstStyle/>
           <a:p>
-            <a:endParaRPr kumimoji="1" lang="ja-JP" altLang="en-US"/>
+            <a:endParaRPr kumimoji="1" lang="ja-JP" altLang="en-US" dirty="0"/>
           </a:p>
         </p:txBody>
       </p:sp>

--- a/企画/企画書/プレゼンテーション1.pptx
+++ b/企画/企画書/プレゼンテーション1.pptx
@@ -5,19 +5,16 @@
     <p:sldMasterId id="2147483660" r:id="rId1"/>
   </p:sldMasterIdLst>
   <p:notesMasterIdLst>
-    <p:notesMasterId r:id="rId12"/>
+    <p:notesMasterId r:id="rId9"/>
   </p:notesMasterIdLst>
   <p:sldIdLst>
     <p:sldId id="256" r:id="rId2"/>
     <p:sldId id="261" r:id="rId3"/>
     <p:sldId id="257" r:id="rId4"/>
     <p:sldId id="258" r:id="rId5"/>
-    <p:sldId id="264" r:id="rId6"/>
+    <p:sldId id="260" r:id="rId6"/>
     <p:sldId id="259" r:id="rId7"/>
-    <p:sldId id="262" r:id="rId8"/>
-    <p:sldId id="260" r:id="rId9"/>
-    <p:sldId id="263" r:id="rId10"/>
-    <p:sldId id="265" r:id="rId11"/>
+    <p:sldId id="263" r:id="rId8"/>
   </p:sldIdLst>
   <p:sldSz cx="9144000" cy="6858000" type="screen4x3"/>
   <p:notesSz cx="6858000" cy="9144000"/>
@@ -217,7 +214,7 @@
           <a:p>
             <a:fld id="{3AF58804-1989-4928-AC3A-7D8C261CE1C6}" type="datetimeFigureOut">
               <a:rPr kumimoji="1" lang="ja-JP" altLang="en-US" smtClean="0"/>
-              <a:t>2017/9/15</a:t>
+              <a:t>2017/9/19</a:t>
             </a:fld>
             <a:endParaRPr kumimoji="1" lang="ja-JP" altLang="en-US"/>
           </a:p>
@@ -561,14 +558,6 @@
           <a:bodyPr/>
           <a:lstStyle/>
           <a:p>
-            <a:r>
-              <a:rPr kumimoji="1" lang="ja-JP" altLang="en-US" dirty="0" smtClean="0"/>
-              <a:t>派手なスキルを使うアクション</a:t>
-            </a:r>
-            <a:r>
-              <a:rPr kumimoji="1" lang="en-US" altLang="ja-JP" dirty="0" smtClean="0"/>
-              <a:t>FPS</a:t>
-            </a:r>
             <a:endParaRPr kumimoji="1" lang="ja-JP" altLang="en-US" dirty="0"/>
           </a:p>
         </p:txBody>
@@ -737,31 +726,6 @@
           <a:bodyPr/>
           <a:lstStyle/>
           <a:p>
-            <a:r>
-              <a:rPr kumimoji="1" lang="ja-JP" altLang="en-US" dirty="0" smtClean="0"/>
-              <a:t>・スキル</a:t>
-            </a:r>
-            <a:endParaRPr kumimoji="1" lang="en-US" altLang="ja-JP" dirty="0" smtClean="0"/>
-          </a:p>
-          <a:p>
-            <a:r>
-              <a:rPr kumimoji="1" lang="ja-JP" altLang="en-US" dirty="0" smtClean="0"/>
-              <a:t>　敵を倒すことや時間経過でゲージを溜め、溜まっている状態時任意のタイミングで発動できる必殺技</a:t>
-            </a:r>
-            <a:endParaRPr kumimoji="1" lang="en-US" altLang="ja-JP" dirty="0" smtClean="0"/>
-          </a:p>
-          <a:p>
-            <a:r>
-              <a:rPr kumimoji="1" lang="ja-JP" altLang="en-US" dirty="0" smtClean="0"/>
-              <a:t>・アビリティ</a:t>
-            </a:r>
-            <a:endParaRPr kumimoji="1" lang="en-US" altLang="ja-JP" dirty="0" smtClean="0"/>
-          </a:p>
-          <a:p>
-            <a:r>
-              <a:rPr kumimoji="1" lang="ja-JP" altLang="en-US" dirty="0" smtClean="0"/>
-              <a:t>　クールタイムが存在し、特殊攻撃やアクションの補助になるもの</a:t>
-            </a:r>
             <a:endParaRPr kumimoji="1" lang="ja-JP" altLang="en-US" dirty="0"/>
           </a:p>
         </p:txBody>
@@ -848,22 +812,17 @@
           <a:p>
             <a:r>
               <a:rPr kumimoji="1" lang="ja-JP" altLang="en-US" dirty="0" smtClean="0"/>
-              <a:t>プレイヤーが敵を倒すことでスキルポイントを獲得でき、ゲージにその分チャージする</a:t>
+              <a:t>・アビリティ</a:t>
             </a:r>
             <a:endParaRPr kumimoji="1" lang="en-US" altLang="ja-JP" dirty="0" smtClean="0"/>
           </a:p>
           <a:p>
             <a:r>
               <a:rPr kumimoji="1" lang="ja-JP" altLang="en-US" dirty="0" smtClean="0"/>
-              <a:t>時間経過でもスキルゲージは上昇していく</a:t>
-            </a:r>
-            <a:endParaRPr kumimoji="1" lang="en-US" altLang="ja-JP" dirty="0" smtClean="0"/>
-          </a:p>
-          <a:p>
-            <a:r>
-              <a:rPr kumimoji="1" lang="ja-JP" altLang="en-US" dirty="0" smtClean="0"/>
-              <a:t>スキルを使用すると、</a:t>
-            </a:r>
+              <a:t>　クールタイムが存在し、特殊攻撃やアクションの補助になるもの</a:t>
+            </a:r>
+          </a:p>
+          <a:p>
             <a:endParaRPr kumimoji="1" lang="ja-JP" altLang="en-US" dirty="0"/>
           </a:p>
         </p:txBody>
@@ -894,7 +853,7 @@
     </p:spTree>
     <p:extLst>
       <p:ext uri="{BB962C8B-B14F-4D97-AF65-F5344CB8AC3E}">
-        <p14:creationId xmlns:p14="http://schemas.microsoft.com/office/powerpoint/2010/main" val="1859777530"/>
+        <p14:creationId xmlns:p14="http://schemas.microsoft.com/office/powerpoint/2010/main" val="3507440823"/>
       </p:ext>
     </p:extLst>
   </p:cSld>
@@ -1075,27 +1034,96 @@
           <a:bodyPr/>
           <a:lstStyle/>
           <a:p>
-            <a:pPr marL="0" marR="0" indent="0" algn="l" defTabSz="914400" rtl="0" eaLnBrk="1" fontAlgn="auto" latinLnBrk="0" hangingPunct="1">
-              <a:lnSpc>
-                <a:spcPct val="100000"/>
-              </a:lnSpc>
-              <a:spcBef>
-                <a:spcPts val="0"/>
-              </a:spcBef>
-              <a:spcAft>
-                <a:spcPts val="0"/>
-              </a:spcAft>
-              <a:buClrTx/>
-              <a:buSzTx/>
-              <a:buFontTx/>
-              <a:buNone/>
-              <a:tabLst/>
-              <a:defRPr/>
-            </a:pPr>
-            <a:r>
-              <a:rPr lang="ja-JP" altLang="en-US" dirty="0" smtClean="0"/>
-              <a:t>・一定時間発動でき、攻撃するたびに一定量減</a:t>
-            </a:r>
+            <a:r>
+              <a:rPr kumimoji="1" lang="en-US" altLang="ja-JP" sz="1200" dirty="0" smtClean="0"/>
+              <a:t>【</a:t>
+            </a:r>
+            <a:r>
+              <a:rPr kumimoji="1" lang="ja-JP" altLang="en-US" sz="1200" dirty="0" smtClean="0"/>
+              <a:t>アクション</a:t>
+            </a:r>
+            <a:r>
+              <a:rPr kumimoji="1" lang="en-US" altLang="ja-JP" sz="1200" dirty="0" smtClean="0"/>
+              <a:t>】</a:t>
+            </a:r>
+          </a:p>
+          <a:p>
+            <a:r>
+              <a:rPr kumimoji="1" lang="ja-JP" altLang="en-US" sz="1200" dirty="0" smtClean="0"/>
+              <a:t>・射撃</a:t>
+            </a:r>
+            <a:r>
+              <a:rPr kumimoji="1" lang="en-US" altLang="ja-JP" sz="1200" dirty="0" smtClean="0"/>
+              <a:t>		</a:t>
+            </a:r>
+            <a:r>
+              <a:rPr kumimoji="1" lang="ja-JP" altLang="en-US" sz="1200" dirty="0" smtClean="0"/>
+              <a:t>・近接攻撃</a:t>
+            </a:r>
+            <a:endParaRPr kumimoji="1" lang="en-US" altLang="ja-JP" sz="1200" dirty="0" smtClean="0"/>
+          </a:p>
+          <a:p>
+            <a:r>
+              <a:rPr lang="ja-JP" altLang="en-US" sz="1200" dirty="0" smtClean="0"/>
+              <a:t>・歩く</a:t>
+            </a:r>
+            <a:r>
+              <a:rPr lang="en-US" altLang="ja-JP" sz="1200" dirty="0" smtClean="0"/>
+              <a:t>/ </a:t>
+            </a:r>
+            <a:r>
+              <a:rPr lang="ja-JP" altLang="en-US" sz="1200" dirty="0" smtClean="0"/>
+              <a:t>走る</a:t>
+            </a:r>
+            <a:r>
+              <a:rPr lang="en-US" altLang="ja-JP" sz="1200" dirty="0" smtClean="0"/>
+              <a:t>		</a:t>
+            </a:r>
+            <a:r>
+              <a:rPr lang="ja-JP" altLang="en-US" sz="1200" dirty="0" smtClean="0"/>
+              <a:t>・エイム（照準）</a:t>
+            </a:r>
+            <a:endParaRPr lang="en-US" altLang="ja-JP" sz="1200" dirty="0" smtClean="0"/>
+          </a:p>
+          <a:p>
+            <a:r>
+              <a:rPr lang="ja-JP" altLang="en-US" sz="1200" dirty="0" smtClean="0"/>
+              <a:t>・ジャンプ（ブースト）</a:t>
+            </a:r>
+            <a:r>
+              <a:rPr lang="en-US" altLang="ja-JP" sz="1200" dirty="0" smtClean="0"/>
+              <a:t>	</a:t>
+            </a:r>
+            <a:r>
+              <a:rPr lang="ja-JP" altLang="en-US" sz="1200" dirty="0" smtClean="0"/>
+              <a:t>・しゃがむ</a:t>
+            </a:r>
+            <a:endParaRPr lang="en-US" altLang="ja-JP" sz="1200" dirty="0" smtClean="0"/>
+          </a:p>
+          <a:p>
+            <a:r>
+              <a:rPr kumimoji="1" lang="ja-JP" altLang="en-US" sz="1200" dirty="0" smtClean="0"/>
+              <a:t>・スライディング</a:t>
+            </a:r>
+            <a:r>
+              <a:rPr kumimoji="1" lang="en-US" altLang="ja-JP" sz="1200" dirty="0" smtClean="0"/>
+              <a:t>	</a:t>
+            </a:r>
+            <a:r>
+              <a:rPr kumimoji="1" lang="ja-JP" altLang="en-US" sz="1200" dirty="0" smtClean="0"/>
+              <a:t>・武器切り替え</a:t>
+            </a:r>
+            <a:endParaRPr kumimoji="1" lang="en-US" altLang="ja-JP" sz="1200" dirty="0" smtClean="0"/>
+          </a:p>
+          <a:p>
+            <a:r>
+              <a:rPr lang="ja-JP" altLang="en-US" sz="1200" dirty="0" smtClean="0"/>
+              <a:t>・リロード</a:t>
+            </a:r>
+            <a:endParaRPr kumimoji="1" lang="en-US" altLang="ja-JP" sz="1200" dirty="0" smtClean="0"/>
+          </a:p>
+          <a:p>
+            <a:endParaRPr kumimoji="1" lang="ja-JP" altLang="en-US" dirty="0"/>
           </a:p>
         </p:txBody>
       </p:sp>
@@ -1117,276 +1145,6 @@
             <a:fld id="{F265A846-F532-4297-9892-23519271022F}" type="slidenum">
               <a:rPr kumimoji="1" lang="ja-JP" altLang="en-US" smtClean="0"/>
               <a:t>7</a:t>
-            </a:fld>
-            <a:endParaRPr kumimoji="1" lang="ja-JP" altLang="en-US"/>
-          </a:p>
-        </p:txBody>
-      </p:sp>
-    </p:spTree>
-    <p:extLst>
-      <p:ext uri="{BB962C8B-B14F-4D97-AF65-F5344CB8AC3E}">
-        <p14:creationId xmlns:p14="http://schemas.microsoft.com/office/powerpoint/2010/main" val="2694935803"/>
-      </p:ext>
-    </p:extLst>
-  </p:cSld>
-  <p:clrMapOvr>
-    <a:masterClrMapping/>
-  </p:clrMapOvr>
-</p:notes>
-</file>
-
-<file path=ppt/notesSlides/notesSlide7.xml><?xml version="1.0" encoding="utf-8"?>
-<p:notes xmlns:a="http://schemas.openxmlformats.org/drawingml/2006/main" xmlns:r="http://schemas.openxmlformats.org/officeDocument/2006/relationships" xmlns:p="http://schemas.openxmlformats.org/presentationml/2006/main">
-  <p:cSld>
-    <p:spTree>
-      <p:nvGrpSpPr>
-        <p:cNvPr id="1" name=""/>
-        <p:cNvGrpSpPr/>
-        <p:nvPr/>
-      </p:nvGrpSpPr>
-      <p:grpSpPr>
-        <a:xfrm>
-          <a:off x="0" y="0"/>
-          <a:ext cx="0" cy="0"/>
-          <a:chOff x="0" y="0"/>
-          <a:chExt cx="0" cy="0"/>
-        </a:xfrm>
-      </p:grpSpPr>
-      <p:sp>
-        <p:nvSpPr>
-          <p:cNvPr id="2" name="スライド イメージ プレースホルダー 1"/>
-          <p:cNvSpPr>
-            <a:spLocks noGrp="1" noRot="1" noChangeAspect="1"/>
-          </p:cNvSpPr>
-          <p:nvPr>
-            <p:ph type="sldImg"/>
-          </p:nvPr>
-        </p:nvSpPr>
-        <p:spPr/>
-      </p:sp>
-      <p:sp>
-        <p:nvSpPr>
-          <p:cNvPr id="3" name="ノート プレースホルダー 2"/>
-          <p:cNvSpPr>
-            <a:spLocks noGrp="1"/>
-          </p:cNvSpPr>
-          <p:nvPr>
-            <p:ph type="body" idx="1"/>
-          </p:nvPr>
-        </p:nvSpPr>
-        <p:spPr/>
-        <p:txBody>
-          <a:bodyPr/>
-          <a:lstStyle/>
-          <a:p>
-            <a:r>
-              <a:rPr kumimoji="1" lang="ja-JP" altLang="en-US" dirty="0" smtClean="0"/>
-              <a:t>・アビリティ</a:t>
-            </a:r>
-            <a:endParaRPr kumimoji="1" lang="en-US" altLang="ja-JP" dirty="0" smtClean="0"/>
-          </a:p>
-          <a:p>
-            <a:r>
-              <a:rPr kumimoji="1" lang="ja-JP" altLang="en-US" dirty="0" smtClean="0"/>
-              <a:t>　クールタイムが存在し、特殊攻撃やアクションの補助になるもの</a:t>
-            </a:r>
-          </a:p>
-          <a:p>
-            <a:endParaRPr kumimoji="1" lang="ja-JP" altLang="en-US" dirty="0"/>
-          </a:p>
-        </p:txBody>
-      </p:sp>
-      <p:sp>
-        <p:nvSpPr>
-          <p:cNvPr id="4" name="スライド番号プレースホルダー 3"/>
-          <p:cNvSpPr>
-            <a:spLocks noGrp="1"/>
-          </p:cNvSpPr>
-          <p:nvPr>
-            <p:ph type="sldNum" sz="quarter" idx="10"/>
-          </p:nvPr>
-        </p:nvSpPr>
-        <p:spPr/>
-        <p:txBody>
-          <a:bodyPr/>
-          <a:lstStyle/>
-          <a:p>
-            <a:fld id="{F265A846-F532-4297-9892-23519271022F}" type="slidenum">
-              <a:rPr kumimoji="1" lang="ja-JP" altLang="en-US" smtClean="0"/>
-              <a:t>8</a:t>
-            </a:fld>
-            <a:endParaRPr kumimoji="1" lang="ja-JP" altLang="en-US"/>
-          </a:p>
-        </p:txBody>
-      </p:sp>
-    </p:spTree>
-    <p:extLst>
-      <p:ext uri="{BB962C8B-B14F-4D97-AF65-F5344CB8AC3E}">
-        <p14:creationId xmlns:p14="http://schemas.microsoft.com/office/powerpoint/2010/main" val="3507440823"/>
-      </p:ext>
-    </p:extLst>
-  </p:cSld>
-  <p:clrMapOvr>
-    <a:masterClrMapping/>
-  </p:clrMapOvr>
-</p:notes>
-</file>
-
-<file path=ppt/notesSlides/notesSlide8.xml><?xml version="1.0" encoding="utf-8"?>
-<p:notes xmlns:a="http://schemas.openxmlformats.org/drawingml/2006/main" xmlns:r="http://schemas.openxmlformats.org/officeDocument/2006/relationships" xmlns:p="http://schemas.openxmlformats.org/presentationml/2006/main">
-  <p:cSld>
-    <p:spTree>
-      <p:nvGrpSpPr>
-        <p:cNvPr id="1" name=""/>
-        <p:cNvGrpSpPr/>
-        <p:nvPr/>
-      </p:nvGrpSpPr>
-      <p:grpSpPr>
-        <a:xfrm>
-          <a:off x="0" y="0"/>
-          <a:ext cx="0" cy="0"/>
-          <a:chOff x="0" y="0"/>
-          <a:chExt cx="0" cy="0"/>
-        </a:xfrm>
-      </p:grpSpPr>
-      <p:sp>
-        <p:nvSpPr>
-          <p:cNvPr id="2" name="スライド イメージ プレースホルダー 1"/>
-          <p:cNvSpPr>
-            <a:spLocks noGrp="1" noRot="1" noChangeAspect="1"/>
-          </p:cNvSpPr>
-          <p:nvPr>
-            <p:ph type="sldImg"/>
-          </p:nvPr>
-        </p:nvSpPr>
-        <p:spPr/>
-      </p:sp>
-      <p:sp>
-        <p:nvSpPr>
-          <p:cNvPr id="3" name="ノート プレースホルダー 2"/>
-          <p:cNvSpPr>
-            <a:spLocks noGrp="1"/>
-          </p:cNvSpPr>
-          <p:nvPr>
-            <p:ph type="body" idx="1"/>
-          </p:nvPr>
-        </p:nvSpPr>
-        <p:spPr/>
-        <p:txBody>
-          <a:bodyPr/>
-          <a:lstStyle/>
-          <a:p>
-            <a:r>
-              <a:rPr kumimoji="1" lang="en-US" altLang="ja-JP" sz="1200" dirty="0" smtClean="0"/>
-              <a:t>【</a:t>
-            </a:r>
-            <a:r>
-              <a:rPr kumimoji="1" lang="ja-JP" altLang="en-US" sz="1200" dirty="0" smtClean="0"/>
-              <a:t>アクション</a:t>
-            </a:r>
-            <a:r>
-              <a:rPr kumimoji="1" lang="en-US" altLang="ja-JP" sz="1200" dirty="0" smtClean="0"/>
-              <a:t>】</a:t>
-            </a:r>
-          </a:p>
-          <a:p>
-            <a:r>
-              <a:rPr kumimoji="1" lang="ja-JP" altLang="en-US" sz="1200" dirty="0" smtClean="0"/>
-              <a:t>・射撃</a:t>
-            </a:r>
-            <a:r>
-              <a:rPr kumimoji="1" lang="en-US" altLang="ja-JP" sz="1200" dirty="0" smtClean="0"/>
-              <a:t>		</a:t>
-            </a:r>
-            <a:r>
-              <a:rPr kumimoji="1" lang="ja-JP" altLang="en-US" sz="1200" dirty="0" smtClean="0"/>
-              <a:t>・近接攻撃</a:t>
-            </a:r>
-            <a:endParaRPr kumimoji="1" lang="en-US" altLang="ja-JP" sz="1200" dirty="0" smtClean="0"/>
-          </a:p>
-          <a:p>
-            <a:r>
-              <a:rPr lang="ja-JP" altLang="en-US" sz="1200" dirty="0" smtClean="0"/>
-              <a:t>・歩く</a:t>
-            </a:r>
-            <a:r>
-              <a:rPr lang="en-US" altLang="ja-JP" sz="1200" dirty="0" smtClean="0"/>
-              <a:t>/ </a:t>
-            </a:r>
-            <a:r>
-              <a:rPr lang="ja-JP" altLang="en-US" sz="1200" dirty="0" smtClean="0"/>
-              <a:t>走る</a:t>
-            </a:r>
-            <a:r>
-              <a:rPr lang="en-US" altLang="ja-JP" sz="1200" dirty="0" smtClean="0"/>
-              <a:t>		</a:t>
-            </a:r>
-            <a:r>
-              <a:rPr lang="ja-JP" altLang="en-US" sz="1200" dirty="0" smtClean="0"/>
-              <a:t>・エイム（照準）</a:t>
-            </a:r>
-            <a:endParaRPr lang="en-US" altLang="ja-JP" sz="1200" dirty="0" smtClean="0"/>
-          </a:p>
-          <a:p>
-            <a:r>
-              <a:rPr lang="ja-JP" altLang="en-US" sz="1200" dirty="0" smtClean="0"/>
-              <a:t>・ジャンプ（ブースト）</a:t>
-            </a:r>
-            <a:r>
-              <a:rPr lang="en-US" altLang="ja-JP" sz="1200" dirty="0" smtClean="0"/>
-              <a:t>	</a:t>
-            </a:r>
-            <a:r>
-              <a:rPr lang="ja-JP" altLang="en-US" sz="1200" dirty="0" smtClean="0"/>
-              <a:t>・しゃがむ</a:t>
-            </a:r>
-            <a:endParaRPr lang="en-US" altLang="ja-JP" sz="1200" dirty="0" smtClean="0"/>
-          </a:p>
-          <a:p>
-            <a:r>
-              <a:rPr kumimoji="1" lang="ja-JP" altLang="en-US" sz="1200" dirty="0" smtClean="0"/>
-              <a:t>・スライディング</a:t>
-            </a:r>
-            <a:r>
-              <a:rPr kumimoji="1" lang="en-US" altLang="ja-JP" sz="1200" dirty="0" smtClean="0"/>
-              <a:t>	</a:t>
-            </a:r>
-            <a:r>
-              <a:rPr kumimoji="1" lang="ja-JP" altLang="en-US" sz="1200" dirty="0" smtClean="0"/>
-              <a:t>・武器切り替え</a:t>
-            </a:r>
-            <a:endParaRPr kumimoji="1" lang="en-US" altLang="ja-JP" sz="1200" dirty="0" smtClean="0"/>
-          </a:p>
-          <a:p>
-            <a:r>
-              <a:rPr lang="ja-JP" altLang="en-US" sz="1200" dirty="0" smtClean="0"/>
-              <a:t>・リロード</a:t>
-            </a:r>
-            <a:endParaRPr kumimoji="1" lang="en-US" altLang="ja-JP" sz="1200" dirty="0" smtClean="0"/>
-          </a:p>
-          <a:p>
-            <a:endParaRPr kumimoji="1" lang="ja-JP" altLang="en-US" dirty="0"/>
-          </a:p>
-        </p:txBody>
-      </p:sp>
-      <p:sp>
-        <p:nvSpPr>
-          <p:cNvPr id="4" name="スライド番号プレースホルダー 3"/>
-          <p:cNvSpPr>
-            <a:spLocks noGrp="1"/>
-          </p:cNvSpPr>
-          <p:nvPr>
-            <p:ph type="sldNum" sz="quarter" idx="10"/>
-          </p:nvPr>
-        </p:nvSpPr>
-        <p:spPr/>
-        <p:txBody>
-          <a:bodyPr/>
-          <a:lstStyle/>
-          <a:p>
-            <a:fld id="{F265A846-F532-4297-9892-23519271022F}" type="slidenum">
-              <a:rPr kumimoji="1" lang="ja-JP" altLang="en-US" smtClean="0"/>
-              <a:t>9</a:t>
             </a:fld>
             <a:endParaRPr kumimoji="1" lang="ja-JP" altLang="en-US"/>
           </a:p>
@@ -1536,7 +1294,7 @@
           <a:p>
             <a:fld id="{F37D479E-B6B9-4720-8E8B-C8A4A95AA0E5}" type="datetimeFigureOut">
               <a:rPr kumimoji="1" lang="ja-JP" altLang="en-US" smtClean="0"/>
-              <a:t>2017/9/15</a:t>
+              <a:t>2017/9/19</a:t>
             </a:fld>
             <a:endParaRPr kumimoji="1" lang="ja-JP" altLang="en-US"/>
           </a:p>
@@ -1738,7 +1496,7 @@
           <a:p>
             <a:fld id="{F37D479E-B6B9-4720-8E8B-C8A4A95AA0E5}" type="datetimeFigureOut">
               <a:rPr kumimoji="1" lang="ja-JP" altLang="en-US" smtClean="0"/>
-              <a:t>2017/9/15</a:t>
+              <a:t>2017/9/19</a:t>
             </a:fld>
             <a:endParaRPr kumimoji="1" lang="ja-JP" altLang="en-US"/>
           </a:p>
@@ -1950,7 +1708,7 @@
           <a:p>
             <a:fld id="{F37D479E-B6B9-4720-8E8B-C8A4A95AA0E5}" type="datetimeFigureOut">
               <a:rPr kumimoji="1" lang="ja-JP" altLang="en-US" smtClean="0"/>
-              <a:t>2017/9/15</a:t>
+              <a:t>2017/9/19</a:t>
             </a:fld>
             <a:endParaRPr kumimoji="1" lang="ja-JP" altLang="en-US"/>
           </a:p>
@@ -2172,7 +1930,7 @@
           <a:p>
             <a:fld id="{F37D479E-B6B9-4720-8E8B-C8A4A95AA0E5}" type="datetimeFigureOut">
               <a:rPr kumimoji="1" lang="ja-JP" altLang="en-US" smtClean="0"/>
-              <a:t>2017/9/15</a:t>
+              <a:t>2017/9/19</a:t>
             </a:fld>
             <a:endParaRPr kumimoji="1" lang="ja-JP" altLang="en-US"/>
           </a:p>
@@ -2416,7 +2174,7 @@
           <a:p>
             <a:fld id="{F37D479E-B6B9-4720-8E8B-C8A4A95AA0E5}" type="datetimeFigureOut">
               <a:rPr kumimoji="1" lang="ja-JP" altLang="en-US" smtClean="0"/>
-              <a:t>2017/9/15</a:t>
+              <a:t>2017/9/19</a:t>
             </a:fld>
             <a:endParaRPr kumimoji="1" lang="ja-JP" altLang="en-US"/>
           </a:p>
@@ -2712,7 +2470,7 @@
           <a:p>
             <a:fld id="{F37D479E-B6B9-4720-8E8B-C8A4A95AA0E5}" type="datetimeFigureOut">
               <a:rPr kumimoji="1" lang="ja-JP" altLang="en-US" smtClean="0"/>
-              <a:t>2017/9/15</a:t>
+              <a:t>2017/9/19</a:t>
             </a:fld>
             <a:endParaRPr kumimoji="1" lang="ja-JP" altLang="en-US"/>
           </a:p>
@@ -3143,7 +2901,7 @@
           <a:p>
             <a:fld id="{F37D479E-B6B9-4720-8E8B-C8A4A95AA0E5}" type="datetimeFigureOut">
               <a:rPr kumimoji="1" lang="ja-JP" altLang="en-US" smtClean="0"/>
-              <a:t>2017/9/15</a:t>
+              <a:t>2017/9/19</a:t>
             </a:fld>
             <a:endParaRPr kumimoji="1" lang="ja-JP" altLang="en-US"/>
           </a:p>
@@ -3261,7 +3019,7 @@
           <a:p>
             <a:fld id="{F37D479E-B6B9-4720-8E8B-C8A4A95AA0E5}" type="datetimeFigureOut">
               <a:rPr kumimoji="1" lang="ja-JP" altLang="en-US" smtClean="0"/>
-              <a:t>2017/9/15</a:t>
+              <a:t>2017/9/19</a:t>
             </a:fld>
             <a:endParaRPr kumimoji="1" lang="ja-JP" altLang="en-US"/>
           </a:p>
@@ -3356,7 +3114,7 @@
           <a:p>
             <a:fld id="{F37D479E-B6B9-4720-8E8B-C8A4A95AA0E5}" type="datetimeFigureOut">
               <a:rPr kumimoji="1" lang="ja-JP" altLang="en-US" smtClean="0"/>
-              <a:t>2017/9/15</a:t>
+              <a:t>2017/9/19</a:t>
             </a:fld>
             <a:endParaRPr kumimoji="1" lang="ja-JP" altLang="en-US"/>
           </a:p>
@@ -3665,7 +3423,7 @@
           <a:p>
             <a:fld id="{F37D479E-B6B9-4720-8E8B-C8A4A95AA0E5}" type="datetimeFigureOut">
               <a:rPr kumimoji="1" lang="ja-JP" altLang="en-US" smtClean="0"/>
-              <a:t>2017/9/15</a:t>
+              <a:t>2017/9/19</a:t>
             </a:fld>
             <a:endParaRPr kumimoji="1" lang="ja-JP" altLang="en-US"/>
           </a:p>
@@ -3922,7 +3680,7 @@
           <a:p>
             <a:fld id="{F37D479E-B6B9-4720-8E8B-C8A4A95AA0E5}" type="datetimeFigureOut">
               <a:rPr kumimoji="1" lang="ja-JP" altLang="en-US" smtClean="0"/>
-              <a:t>2017/9/15</a:t>
+              <a:t>2017/9/19</a:t>
             </a:fld>
             <a:endParaRPr kumimoji="1" lang="ja-JP" altLang="en-US"/>
           </a:p>
@@ -4167,7 +3925,7 @@
           <a:p>
             <a:fld id="{F37D479E-B6B9-4720-8E8B-C8A4A95AA0E5}" type="datetimeFigureOut">
               <a:rPr kumimoji="1" lang="ja-JP" altLang="en-US" smtClean="0"/>
-              <a:t>2017/9/15</a:t>
+              <a:t>2017/9/19</a:t>
             </a:fld>
             <a:endParaRPr kumimoji="1" lang="ja-JP" altLang="en-US"/>
           </a:p>
@@ -4594,7 +4352,11 @@
           <a:bodyPr/>
           <a:lstStyle/>
           <a:p>
-            <a:endParaRPr kumimoji="1" lang="ja-JP" altLang="en-US"/>
+            <a:r>
+              <a:rPr kumimoji="1" lang="ja-JP" altLang="en-US" dirty="0" smtClean="0"/>
+              <a:t>タイトル未定</a:t>
+            </a:r>
+            <a:endParaRPr kumimoji="1" lang="ja-JP" altLang="en-US" dirty="0"/>
           </a:p>
         </p:txBody>
       </p:sp>
@@ -4915,83 +4677,6 @@
 </p:sld>
 </file>
 
-<file path=ppt/slides/slide10.xml><?xml version="1.0" encoding="utf-8"?>
-<p:sld xmlns:a="http://schemas.openxmlformats.org/drawingml/2006/main" xmlns:r="http://schemas.openxmlformats.org/officeDocument/2006/relationships" xmlns:p="http://schemas.openxmlformats.org/presentationml/2006/main">
-  <p:cSld>
-    <p:spTree>
-      <p:nvGrpSpPr>
-        <p:cNvPr id="1" name=""/>
-        <p:cNvGrpSpPr/>
-        <p:nvPr/>
-      </p:nvGrpSpPr>
-      <p:grpSpPr>
-        <a:xfrm>
-          <a:off x="0" y="0"/>
-          <a:ext cx="0" cy="0"/>
-          <a:chOff x="0" y="0"/>
-          <a:chExt cx="0" cy="0"/>
-        </a:xfrm>
-      </p:grpSpPr>
-      <p:sp>
-        <p:nvSpPr>
-          <p:cNvPr id="2" name="タイトル 1"/>
-          <p:cNvSpPr>
-            <a:spLocks noGrp="1"/>
-          </p:cNvSpPr>
-          <p:nvPr>
-            <p:ph type="title"/>
-          </p:nvPr>
-        </p:nvSpPr>
-        <p:spPr/>
-        <p:txBody>
-          <a:bodyPr>
-            <a:normAutofit fontScale="90000"/>
-          </a:bodyPr>
-          <a:lstStyle/>
-          <a:p>
-            <a:endParaRPr kumimoji="1" lang="ja-JP" altLang="en-US"/>
-          </a:p>
-        </p:txBody>
-      </p:sp>
-      <p:sp>
-        <p:nvSpPr>
-          <p:cNvPr id="3" name="コンテンツ プレースホルダー 2"/>
-          <p:cNvSpPr>
-            <a:spLocks noGrp="1"/>
-          </p:cNvSpPr>
-          <p:nvPr>
-            <p:ph idx="1"/>
-          </p:nvPr>
-        </p:nvSpPr>
-        <p:spPr/>
-        <p:txBody>
-          <a:bodyPr/>
-          <a:lstStyle/>
-          <a:p>
-            <a:endParaRPr kumimoji="1" lang="ja-JP" altLang="en-US"/>
-          </a:p>
-        </p:txBody>
-      </p:sp>
-    </p:spTree>
-    <p:extLst>
-      <p:ext uri="{BB962C8B-B14F-4D97-AF65-F5344CB8AC3E}">
-        <p14:creationId xmlns:p14="http://schemas.microsoft.com/office/powerpoint/2010/main" val="3046195154"/>
-      </p:ext>
-    </p:extLst>
-  </p:cSld>
-  <p:clrMapOvr>
-    <a:masterClrMapping/>
-  </p:clrMapOvr>
-  <p:timing>
-    <p:tnLst>
-      <p:par>
-        <p:cTn id="1" dur="indefinite" restart="never" nodeType="tmRoot"/>
-      </p:par>
-    </p:tnLst>
-  </p:timing>
-</p:sld>
-</file>
-
 <file path=ppt/slides/slide2.xml><?xml version="1.0" encoding="utf-8"?>
 <p:sld xmlns:a="http://schemas.openxmlformats.org/drawingml/2006/main" xmlns:r="http://schemas.openxmlformats.org/officeDocument/2006/relationships" xmlns:p="http://schemas.openxmlformats.org/presentationml/2006/main">
   <p:cSld>
@@ -5047,7 +4732,7 @@
         <p:spPr>
           <a:xfrm>
             <a:off x="622300" y="3149600"/>
-            <a:ext cx="7893050" cy="1079500"/>
+            <a:ext cx="7893050" cy="1737710"/>
           </a:xfrm>
         </p:spPr>
         <p:txBody>
@@ -5061,9 +4746,27 @@
             </a:pPr>
             <a:r>
               <a:rPr lang="ja-JP" altLang="en-US" sz="4400" b="1" dirty="0" smtClean="0"/>
-              <a:t>古の力で未知の脅威と戦う！</a:t>
-            </a:r>
-            <a:endParaRPr lang="ja-JP" altLang="en-US" sz="4400" b="1" dirty="0"/>
+              <a:t>古の力で未知の脅威と戦う</a:t>
+            </a:r>
+            <a:r>
+              <a:rPr lang="ja-JP" altLang="en-US" sz="4400" b="1" dirty="0" smtClean="0"/>
+              <a:t>！</a:t>
+            </a:r>
+            <a:endParaRPr lang="en-US" altLang="ja-JP" sz="4400" b="1" dirty="0" smtClean="0"/>
+          </a:p>
+          <a:p>
+            <a:pPr marL="0" indent="0" algn="ctr">
+              <a:buNone/>
+            </a:pPr>
+            <a:r>
+              <a:rPr lang="ja-JP" altLang="en-US" b="1" dirty="0"/>
+              <a:t>派手なスキルを使うアクション</a:t>
+            </a:r>
+            <a:r>
+              <a:rPr lang="en-US" altLang="ja-JP" b="1" dirty="0" smtClean="0"/>
+              <a:t>FPS</a:t>
+            </a:r>
+            <a:endParaRPr lang="ja-JP" altLang="en-US" b="1" dirty="0"/>
           </a:p>
         </p:txBody>
       </p:sp>
@@ -5300,15 +5003,24 @@
           <a:p>
             <a:r>
               <a:rPr kumimoji="1" lang="en-US" altLang="ja-JP" sz="2400" dirty="0" smtClean="0"/>
-              <a:t>【】</a:t>
-            </a:r>
+              <a:t>【</a:t>
+            </a:r>
+            <a:r>
+              <a:rPr kumimoji="1" lang="ja-JP" altLang="en-US" sz="2400" dirty="0" smtClean="0"/>
+              <a:t>戦いを有利に</a:t>
+            </a:r>
+            <a:r>
+              <a:rPr kumimoji="1" lang="en-US" altLang="ja-JP" sz="2400" dirty="0" smtClean="0"/>
+              <a:t>】</a:t>
+            </a:r>
+            <a:endParaRPr kumimoji="1" lang="en-US" altLang="ja-JP" sz="2400" dirty="0" smtClean="0"/>
           </a:p>
           <a:p>
             <a:r>
               <a:rPr lang="ja-JP" altLang="en-US" sz="2000" dirty="0" smtClean="0"/>
-              <a:t>　アクション</a:t>
-            </a:r>
-            <a:endParaRPr kumimoji="1" lang="en-US" altLang="ja-JP" sz="2000" dirty="0" smtClean="0"/>
+              <a:t>　アビリティ</a:t>
+            </a:r>
+            <a:endParaRPr lang="en-US" altLang="ja-JP" sz="2000" dirty="0" smtClean="0"/>
           </a:p>
           <a:p>
             <a:r>
@@ -5432,7 +5144,15 @@
           <a:p>
             <a:r>
               <a:rPr kumimoji="1" lang="en-US" altLang="ja-JP" sz="2400" dirty="0" smtClean="0"/>
-              <a:t>【】</a:t>
+              <a:t>【</a:t>
+            </a:r>
+            <a:r>
+              <a:rPr kumimoji="1" lang="ja-JP" altLang="en-US" sz="2400" dirty="0" smtClean="0"/>
+              <a:t>超大型機械兵器</a:t>
+            </a:r>
+            <a:r>
+              <a:rPr kumimoji="1" lang="en-US" altLang="ja-JP" sz="2400" dirty="0" smtClean="0"/>
+              <a:t>】</a:t>
             </a:r>
           </a:p>
           <a:p>
@@ -5610,7 +5330,7 @@
           <a:p>
             <a:r>
               <a:rPr kumimoji="1" lang="ja-JP" altLang="en-US" dirty="0" smtClean="0"/>
-              <a:t>プレイヤー</a:t>
+              <a:t>敵の大群と主人公</a:t>
             </a:r>
             <a:endParaRPr kumimoji="1" lang="ja-JP" altLang="en-US" dirty="0"/>
           </a:p>
@@ -5624,8 +5344,8 @@
         </p:nvSpPr>
         <p:spPr>
           <a:xfrm>
-            <a:off x="1478845" y="5806046"/>
-            <a:ext cx="6186309" cy="646331"/>
+            <a:off x="3547241" y="1198179"/>
+            <a:ext cx="1107996" cy="646331"/>
           </a:xfrm>
           <a:prstGeom prst="rect">
             <a:avLst/>
@@ -5654,238 +5374,9 @@
           <a:p>
             <a:r>
               <a:rPr kumimoji="1" lang="ja-JP" altLang="en-US" dirty="0" smtClean="0"/>
-              <a:t>・スキルとアビリティを使い、回避と攻撃を意識して戦う</a:t>
+              <a:t>・</a:t>
             </a:r>
             <a:endParaRPr kumimoji="1" lang="en-US" altLang="ja-JP" dirty="0" smtClean="0"/>
-          </a:p>
-        </p:txBody>
-      </p:sp>
-      <p:sp>
-        <p:nvSpPr>
-          <p:cNvPr id="6" name="テキスト ボックス 5"/>
-          <p:cNvSpPr txBox="1"/>
-          <p:nvPr/>
-        </p:nvSpPr>
-        <p:spPr>
-          <a:xfrm>
-            <a:off x="3250893" y="1426791"/>
-            <a:ext cx="4807257" cy="1754326"/>
-          </a:xfrm>
-          <a:prstGeom prst="rect">
-            <a:avLst/>
-          </a:prstGeom>
-          <a:noFill/>
-        </p:spPr>
-        <p:txBody>
-          <a:bodyPr wrap="square" rtlCol="0">
-            <a:spAutoFit/>
-          </a:bodyPr>
-          <a:lstStyle/>
-          <a:p>
-            <a:r>
-              <a:rPr kumimoji="1" lang="en-US" altLang="ja-JP" dirty="0" smtClean="0"/>
-              <a:t>【</a:t>
-            </a:r>
-            <a:r>
-              <a:rPr kumimoji="1" lang="ja-JP" altLang="en-US" dirty="0" smtClean="0"/>
-              <a:t>アクション</a:t>
-            </a:r>
-            <a:r>
-              <a:rPr kumimoji="1" lang="en-US" altLang="ja-JP" dirty="0" smtClean="0"/>
-              <a:t>】</a:t>
-            </a:r>
-          </a:p>
-          <a:p>
-            <a:r>
-              <a:rPr kumimoji="1" lang="ja-JP" altLang="en-US" dirty="0" smtClean="0"/>
-              <a:t>・射撃</a:t>
-            </a:r>
-            <a:r>
-              <a:rPr kumimoji="1" lang="en-US" altLang="ja-JP" dirty="0" smtClean="0"/>
-              <a:t>			</a:t>
-            </a:r>
-            <a:r>
-              <a:rPr kumimoji="1" lang="ja-JP" altLang="en-US" dirty="0" smtClean="0"/>
-              <a:t>・近接攻撃</a:t>
-            </a:r>
-            <a:endParaRPr kumimoji="1" lang="en-US" altLang="ja-JP" dirty="0" smtClean="0"/>
-          </a:p>
-          <a:p>
-            <a:r>
-              <a:rPr lang="ja-JP" altLang="en-US" dirty="0" smtClean="0"/>
-              <a:t>・歩く</a:t>
-            </a:r>
-            <a:r>
-              <a:rPr lang="en-US" altLang="ja-JP" dirty="0" smtClean="0"/>
-              <a:t>/ </a:t>
-            </a:r>
-            <a:r>
-              <a:rPr lang="ja-JP" altLang="en-US" dirty="0" smtClean="0"/>
-              <a:t>走る</a:t>
-            </a:r>
-            <a:r>
-              <a:rPr lang="en-US" altLang="ja-JP" dirty="0" smtClean="0"/>
-              <a:t>		</a:t>
-            </a:r>
-            <a:r>
-              <a:rPr lang="ja-JP" altLang="en-US" dirty="0" smtClean="0"/>
-              <a:t>・エイム（照準）</a:t>
-            </a:r>
-            <a:endParaRPr lang="en-US" altLang="ja-JP" dirty="0" smtClean="0"/>
-          </a:p>
-          <a:p>
-            <a:r>
-              <a:rPr lang="ja-JP" altLang="en-US" dirty="0" smtClean="0"/>
-              <a:t>・ジャンプ（ブースト）</a:t>
-            </a:r>
-            <a:r>
-              <a:rPr lang="en-US" altLang="ja-JP" dirty="0" smtClean="0"/>
-              <a:t>	</a:t>
-            </a:r>
-            <a:r>
-              <a:rPr lang="ja-JP" altLang="en-US" dirty="0" smtClean="0"/>
-              <a:t>・しゃがむ</a:t>
-            </a:r>
-            <a:endParaRPr lang="en-US" altLang="ja-JP" dirty="0" smtClean="0"/>
-          </a:p>
-          <a:p>
-            <a:r>
-              <a:rPr kumimoji="1" lang="ja-JP" altLang="en-US" dirty="0" smtClean="0"/>
-              <a:t>・スライディング</a:t>
-            </a:r>
-            <a:r>
-              <a:rPr kumimoji="1" lang="en-US" altLang="ja-JP" dirty="0" smtClean="0"/>
-              <a:t>	</a:t>
-            </a:r>
-            <a:r>
-              <a:rPr kumimoji="1" lang="ja-JP" altLang="en-US" dirty="0" smtClean="0"/>
-              <a:t>・武器切り替え</a:t>
-            </a:r>
-            <a:endParaRPr kumimoji="1" lang="en-US" altLang="ja-JP" dirty="0" smtClean="0"/>
-          </a:p>
-          <a:p>
-            <a:r>
-              <a:rPr lang="ja-JP" altLang="en-US" dirty="0" smtClean="0"/>
-              <a:t>・リロード</a:t>
-            </a:r>
-            <a:endParaRPr kumimoji="1" lang="en-US" altLang="ja-JP" dirty="0" smtClean="0"/>
-          </a:p>
-        </p:txBody>
-      </p:sp>
-      <p:sp>
-        <p:nvSpPr>
-          <p:cNvPr id="7" name="テキスト ボックス 6"/>
-          <p:cNvSpPr txBox="1"/>
-          <p:nvPr/>
-        </p:nvSpPr>
-        <p:spPr>
-          <a:xfrm>
-            <a:off x="3250893" y="4715626"/>
-            <a:ext cx="4801314" cy="923330"/>
-          </a:xfrm>
-          <a:prstGeom prst="rect">
-            <a:avLst/>
-          </a:prstGeom>
-          <a:noFill/>
-        </p:spPr>
-        <p:txBody>
-          <a:bodyPr wrap="none" rtlCol="0">
-            <a:spAutoFit/>
-          </a:bodyPr>
-          <a:lstStyle/>
-          <a:p>
-            <a:r>
-              <a:rPr kumimoji="1" lang="en-US" altLang="ja-JP" dirty="0" smtClean="0"/>
-              <a:t>【</a:t>
-            </a:r>
-            <a:r>
-              <a:rPr kumimoji="1" lang="ja-JP" altLang="en-US" dirty="0" smtClean="0"/>
-              <a:t>アビリティ</a:t>
-            </a:r>
-            <a:r>
-              <a:rPr kumimoji="1" lang="en-US" altLang="ja-JP" dirty="0" smtClean="0"/>
-              <a:t>】</a:t>
-            </a:r>
-          </a:p>
-          <a:p>
-            <a:r>
-              <a:rPr kumimoji="1" lang="ja-JP" altLang="en-US" dirty="0" smtClean="0"/>
-              <a:t>・プレイヤーの行動の補助になるアクション</a:t>
-            </a:r>
-            <a:endParaRPr kumimoji="1" lang="en-US" altLang="ja-JP" dirty="0" smtClean="0"/>
-          </a:p>
-          <a:p>
-            <a:r>
-              <a:rPr lang="ja-JP" altLang="en-US" dirty="0" smtClean="0"/>
-              <a:t>・回避や、特殊攻撃などがある</a:t>
-            </a:r>
-            <a:endParaRPr kumimoji="1" lang="ja-JP" altLang="en-US" dirty="0"/>
-          </a:p>
-        </p:txBody>
-      </p:sp>
-      <p:sp>
-        <p:nvSpPr>
-          <p:cNvPr id="8" name="テキスト ボックス 7"/>
-          <p:cNvSpPr txBox="1"/>
-          <p:nvPr/>
-        </p:nvSpPr>
-        <p:spPr>
-          <a:xfrm>
-            <a:off x="3250893" y="3348207"/>
-            <a:ext cx="5262979" cy="1200329"/>
-          </a:xfrm>
-          <a:prstGeom prst="rect">
-            <a:avLst/>
-          </a:prstGeom>
-          <a:noFill/>
-        </p:spPr>
-        <p:txBody>
-          <a:bodyPr wrap="none" rtlCol="0">
-            <a:spAutoFit/>
-          </a:bodyPr>
-          <a:lstStyle/>
-          <a:p>
-            <a:r>
-              <a:rPr kumimoji="1" lang="en-US" altLang="ja-JP" dirty="0" smtClean="0"/>
-              <a:t>【</a:t>
-            </a:r>
-            <a:r>
-              <a:rPr kumimoji="1" lang="ja-JP" altLang="en-US" dirty="0" smtClean="0"/>
-              <a:t>スキル</a:t>
-            </a:r>
-            <a:r>
-              <a:rPr kumimoji="1" lang="en-US" altLang="ja-JP" dirty="0" smtClean="0"/>
-              <a:t>】</a:t>
-            </a:r>
-          </a:p>
-          <a:p>
-            <a:r>
-              <a:rPr kumimoji="1" lang="ja-JP" altLang="en-US" dirty="0" smtClean="0"/>
-              <a:t>・敵を倒したとき又は、時間経過でチャージ</a:t>
-            </a:r>
-            <a:endParaRPr kumimoji="1" lang="en-US" altLang="ja-JP" dirty="0" smtClean="0"/>
-          </a:p>
-          <a:p>
-            <a:r>
-              <a:rPr lang="ja-JP" altLang="en-US" dirty="0" smtClean="0"/>
-              <a:t>・チャージ完了時、任意のタイミングで発動可能</a:t>
-            </a:r>
-            <a:endParaRPr lang="en-US" altLang="ja-JP" dirty="0" smtClean="0"/>
-          </a:p>
-          <a:p>
-            <a:r>
-              <a:rPr kumimoji="1" lang="ja-JP" altLang="en-US" dirty="0" smtClean="0"/>
-              <a:t>・単体攻撃と範囲攻撃の</a:t>
-            </a:r>
-            <a:r>
-              <a:rPr kumimoji="1" lang="en-US" altLang="ja-JP" dirty="0" smtClean="0"/>
-              <a:t>2</a:t>
-            </a:r>
-            <a:r>
-              <a:rPr kumimoji="1" lang="ja-JP" altLang="en-US" dirty="0" smtClean="0"/>
-              <a:t>種類</a:t>
-            </a:r>
-            <a:endParaRPr kumimoji="1" lang="ja-JP" altLang="en-US" dirty="0"/>
           </a:p>
         </p:txBody>
       </p:sp>
@@ -5897,8 +5388,8 @@
         </p:nvSpPr>
         <p:spPr>
           <a:xfrm>
-            <a:off x="622300" y="1426791"/>
-            <a:ext cx="2508403" cy="4212165"/>
+            <a:off x="740980" y="1198179"/>
+            <a:ext cx="2396358" cy="2585545"/>
           </a:xfrm>
           <a:prstGeom prst="rect">
             <a:avLst/>
@@ -5929,6 +5420,90 @@
           </a:p>
         </p:txBody>
       </p:sp>
+      <p:sp>
+        <p:nvSpPr>
+          <p:cNvPr id="10" name="正方形/長方形 9"/>
+          <p:cNvSpPr/>
+          <p:nvPr/>
+        </p:nvSpPr>
+        <p:spPr>
+          <a:xfrm>
+            <a:off x="740980" y="3961481"/>
+            <a:ext cx="2396358" cy="2585545"/>
+          </a:xfrm>
+          <a:prstGeom prst="rect">
+            <a:avLst/>
+          </a:prstGeom>
+        </p:spPr>
+        <p:style>
+          <a:lnRef idx="2">
+            <a:schemeClr val="accent1">
+              <a:shade val="50000"/>
+            </a:schemeClr>
+          </a:lnRef>
+          <a:fillRef idx="1">
+            <a:schemeClr val="accent1"/>
+          </a:fillRef>
+          <a:effectRef idx="0">
+            <a:schemeClr val="accent1"/>
+          </a:effectRef>
+          <a:fontRef idx="minor">
+            <a:schemeClr val="lt1"/>
+          </a:fontRef>
+        </p:style>
+        <p:txBody>
+          <a:bodyPr rtlCol="0" anchor="ctr"/>
+          <a:lstStyle/>
+          <a:p>
+            <a:pPr algn="ctr"/>
+            <a:endParaRPr kumimoji="1" lang="ja-JP" altLang="en-US"/>
+          </a:p>
+        </p:txBody>
+      </p:sp>
+      <p:sp>
+        <p:nvSpPr>
+          <p:cNvPr id="11" name="テキスト ボックス 10"/>
+          <p:cNvSpPr txBox="1"/>
+          <p:nvPr/>
+        </p:nvSpPr>
+        <p:spPr>
+          <a:xfrm>
+            <a:off x="3547241" y="3961481"/>
+            <a:ext cx="1107996" cy="646331"/>
+          </a:xfrm>
+          <a:prstGeom prst="rect">
+            <a:avLst/>
+          </a:prstGeom>
+          <a:noFill/>
+        </p:spPr>
+        <p:txBody>
+          <a:bodyPr wrap="none" rtlCol="0">
+            <a:spAutoFit/>
+          </a:bodyPr>
+          <a:lstStyle/>
+          <a:p>
+            <a:r>
+              <a:rPr kumimoji="1" lang="en-US" altLang="ja-JP" dirty="0" smtClean="0"/>
+              <a:t>【</a:t>
+            </a:r>
+            <a:r>
+              <a:rPr kumimoji="1" lang="ja-JP" altLang="en-US" dirty="0" smtClean="0"/>
+              <a:t>説明</a:t>
+            </a:r>
+            <a:r>
+              <a:rPr kumimoji="1" lang="en-US" altLang="ja-JP" dirty="0" smtClean="0"/>
+              <a:t>】</a:t>
+            </a:r>
+          </a:p>
+          <a:p>
+            <a:r>
+              <a:rPr kumimoji="1" lang="ja-JP" altLang="en-US" dirty="0" smtClean="0"/>
+              <a:t>・</a:t>
+            </a:r>
+            <a:endParaRPr kumimoji="1" lang="en-US" altLang="ja-JP" dirty="0" smtClean="0"/>
+          </a:p>
+        </p:txBody>
+      </p:sp>
     </p:spTree>
     <p:extLst>
       <p:ext uri="{BB962C8B-B14F-4D97-AF65-F5344CB8AC3E}">
@@ -5939,6 +5514,14 @@
   <p:clrMapOvr>
     <a:masterClrMapping/>
   </p:clrMapOvr>
+  <mc:AlternateContent xmlns:mc="http://schemas.openxmlformats.org/markup-compatibility/2006">
+    <mc:Choice xmlns:p14="http://schemas.microsoft.com/office/powerpoint/2010/main" Requires="p14">
+      <p:transition spd="slow" p14:dur="2000"/>
+    </mc:Choice>
+    <mc:Fallback>
+      <p:transition spd="slow"/>
+    </mc:Fallback>
+  </mc:AlternateContent>
   <p:timing>
     <p:tnLst>
       <p:par>
@@ -5968,6 +5551,150 @@
       </p:grpSpPr>
       <p:sp>
         <p:nvSpPr>
+          <p:cNvPr id="13" name="角丸四角形 12"/>
+          <p:cNvSpPr/>
+          <p:nvPr/>
+        </p:nvSpPr>
+        <p:spPr>
+          <a:xfrm>
+            <a:off x="4728210" y="1262342"/>
+            <a:ext cx="3787140" cy="2166657"/>
+          </a:xfrm>
+          <a:prstGeom prst="roundRect">
+            <a:avLst>
+              <a:gd name="adj" fmla="val 3912"/>
+            </a:avLst>
+          </a:prstGeom>
+          <a:noFill/>
+          <a:ln w="57150">
+            <a:solidFill>
+              <a:schemeClr val="accent1"/>
+            </a:solidFill>
+          </a:ln>
+        </p:spPr>
+        <p:style>
+          <a:lnRef idx="2">
+            <a:schemeClr val="accent1">
+              <a:shade val="50000"/>
+            </a:schemeClr>
+          </a:lnRef>
+          <a:fillRef idx="1">
+            <a:schemeClr val="accent1"/>
+          </a:fillRef>
+          <a:effectRef idx="0">
+            <a:schemeClr val="accent1"/>
+          </a:effectRef>
+          <a:fontRef idx="minor">
+            <a:schemeClr val="lt1"/>
+          </a:fontRef>
+        </p:style>
+        <p:txBody>
+          <a:bodyPr rtlCol="0" anchor="ctr"/>
+          <a:lstStyle/>
+          <a:p>
+            <a:pPr algn="ctr"/>
+            <a:endParaRPr kumimoji="1" lang="ja-JP" altLang="en-US"/>
+          </a:p>
+        </p:txBody>
+      </p:sp>
+      <p:sp>
+        <p:nvSpPr>
+          <p:cNvPr id="14" name="角丸四角形 13"/>
+          <p:cNvSpPr/>
+          <p:nvPr/>
+        </p:nvSpPr>
+        <p:spPr>
+          <a:xfrm>
+            <a:off x="622300" y="3786162"/>
+            <a:ext cx="3787140" cy="2166657"/>
+          </a:xfrm>
+          <a:prstGeom prst="roundRect">
+            <a:avLst>
+              <a:gd name="adj" fmla="val 3912"/>
+            </a:avLst>
+          </a:prstGeom>
+          <a:noFill/>
+          <a:ln w="57150">
+            <a:solidFill>
+              <a:srgbClr val="FF4747"/>
+            </a:solidFill>
+          </a:ln>
+        </p:spPr>
+        <p:style>
+          <a:lnRef idx="2">
+            <a:schemeClr val="accent1">
+              <a:shade val="50000"/>
+            </a:schemeClr>
+          </a:lnRef>
+          <a:fillRef idx="1">
+            <a:schemeClr val="accent1"/>
+          </a:fillRef>
+          <a:effectRef idx="0">
+            <a:schemeClr val="accent1"/>
+          </a:effectRef>
+          <a:fontRef idx="minor">
+            <a:schemeClr val="lt1"/>
+          </a:fontRef>
+        </p:style>
+        <p:txBody>
+          <a:bodyPr rtlCol="0" anchor="ctr"/>
+          <a:lstStyle/>
+          <a:p>
+            <a:pPr algn="ctr"/>
+            <a:endParaRPr kumimoji="1" lang="ja-JP" altLang="en-US"/>
+          </a:p>
+        </p:txBody>
+      </p:sp>
+      <p:sp>
+        <p:nvSpPr>
+          <p:cNvPr id="15" name="角丸四角形 14"/>
+          <p:cNvSpPr/>
+          <p:nvPr/>
+        </p:nvSpPr>
+        <p:spPr>
+          <a:xfrm>
+            <a:off x="4728210" y="3785359"/>
+            <a:ext cx="3787140" cy="2166657"/>
+          </a:xfrm>
+          <a:prstGeom prst="roundRect">
+            <a:avLst>
+              <a:gd name="adj" fmla="val 3912"/>
+            </a:avLst>
+          </a:prstGeom>
+          <a:noFill/>
+          <a:ln w="57150">
+            <a:solidFill>
+              <a:schemeClr val="accent6"/>
+            </a:solidFill>
+          </a:ln>
+        </p:spPr>
+        <p:style>
+          <a:lnRef idx="2">
+            <a:schemeClr val="accent1">
+              <a:shade val="50000"/>
+            </a:schemeClr>
+          </a:lnRef>
+          <a:fillRef idx="1">
+            <a:schemeClr val="accent1"/>
+          </a:fillRef>
+          <a:effectRef idx="0">
+            <a:schemeClr val="accent1"/>
+          </a:effectRef>
+          <a:fontRef idx="minor">
+            <a:schemeClr val="lt1"/>
+          </a:fontRef>
+        </p:style>
+        <p:txBody>
+          <a:bodyPr rtlCol="0" anchor="ctr"/>
+          <a:lstStyle/>
+          <a:p>
+            <a:pPr algn="ctr"/>
+            <a:endParaRPr kumimoji="1" lang="ja-JP" altLang="en-US"/>
+          </a:p>
+        </p:txBody>
+      </p:sp>
+      <p:sp>
+        <p:nvSpPr>
           <p:cNvPr id="2" name="タイトル 1"/>
           <p:cNvSpPr>
             <a:spLocks noGrp="1"/>
@@ -5983,49 +5710,973 @@
           </a:bodyPr>
           <a:lstStyle/>
           <a:p>
+            <a:r>
+              <a:rPr kumimoji="1" lang="ja-JP" altLang="en-US" dirty="0" smtClean="0"/>
+              <a:t>アビリティ</a:t>
+            </a:r>
             <a:endParaRPr kumimoji="1" lang="ja-JP" altLang="en-US" dirty="0"/>
           </a:p>
         </p:txBody>
       </p:sp>
-      <p:pic>
-        <p:nvPicPr>
-          <p:cNvPr id="4" name="コンテンツ プレースホルダー 3"/>
-          <p:cNvPicPr>
-            <a:picLocks noGrp="1" noChangeAspect="1"/>
-          </p:cNvPicPr>
-          <p:nvPr>
-            <p:ph idx="1"/>
-          </p:nvPr>
-        </p:nvPicPr>
-        <p:blipFill>
-          <a:blip r:embed="rId3">
-            <a:extLst>
-              <a:ext uri="{28A0092B-C50C-407E-A947-70E740481C1C}">
-                <a14:useLocalDpi xmlns:a14="http://schemas.microsoft.com/office/drawing/2010/main" val="0"/>
-              </a:ext>
-            </a:extLst>
-          </a:blip>
-          <a:stretch>
-            <a:fillRect/>
-          </a:stretch>
-        </p:blipFill>
+      <p:sp>
+        <p:nvSpPr>
+          <p:cNvPr id="16" name="楕円 15"/>
+          <p:cNvSpPr/>
+          <p:nvPr/>
+        </p:nvSpPr>
         <p:spPr>
           <a:xfrm>
-            <a:off x="999583" y="1449049"/>
-            <a:ext cx="1498413" cy="2196825"/>
+            <a:off x="3651162" y="1924547"/>
+            <a:ext cx="1841675" cy="1841675"/>
           </a:xfrm>
+          <a:prstGeom prst="ellipse">
+            <a:avLst/>
+          </a:prstGeom>
+          <a:solidFill>
+            <a:schemeClr val="bg1"/>
+          </a:solidFill>
+          <a:ln>
+            <a:solidFill>
+              <a:schemeClr val="bg1">
+                <a:lumMod val="95000"/>
+              </a:schemeClr>
+            </a:solidFill>
+          </a:ln>
         </p:spPr>
-      </p:pic>
+        <p:style>
+          <a:lnRef idx="2">
+            <a:schemeClr val="accent1">
+              <a:shade val="50000"/>
+            </a:schemeClr>
+          </a:lnRef>
+          <a:fillRef idx="1">
+            <a:schemeClr val="accent1"/>
+          </a:fillRef>
+          <a:effectRef idx="0">
+            <a:schemeClr val="accent1"/>
+          </a:effectRef>
+          <a:fontRef idx="minor">
+            <a:schemeClr val="lt1"/>
+          </a:fontRef>
+        </p:style>
+        <p:txBody>
+          <a:bodyPr rtlCol="0" anchor="ctr"/>
+          <a:lstStyle/>
+          <a:p>
+            <a:pPr algn="ctr"/>
+            <a:endParaRPr kumimoji="1" lang="ja-JP" altLang="en-US" sz="3200" b="1" dirty="0">
+              <a:solidFill>
+                <a:sysClr val="windowText" lastClr="000000"/>
+              </a:solidFill>
+            </a:endParaRPr>
+          </a:p>
+        </p:txBody>
+      </p:sp>
+      <p:sp>
+        <p:nvSpPr>
+          <p:cNvPr id="18" name="楕円 17"/>
+          <p:cNvSpPr/>
+          <p:nvPr/>
+        </p:nvSpPr>
+        <p:spPr>
+          <a:xfrm>
+            <a:off x="2811974" y="3364234"/>
+            <a:ext cx="1841675" cy="1841675"/>
+          </a:xfrm>
+          <a:prstGeom prst="ellipse">
+            <a:avLst/>
+          </a:prstGeom>
+          <a:solidFill>
+            <a:schemeClr val="bg1"/>
+          </a:solidFill>
+          <a:ln>
+            <a:solidFill>
+              <a:schemeClr val="bg1">
+                <a:lumMod val="95000"/>
+              </a:schemeClr>
+            </a:solidFill>
+          </a:ln>
+        </p:spPr>
+        <p:style>
+          <a:lnRef idx="2">
+            <a:schemeClr val="accent1">
+              <a:shade val="50000"/>
+            </a:schemeClr>
+          </a:lnRef>
+          <a:fillRef idx="1">
+            <a:schemeClr val="accent1"/>
+          </a:fillRef>
+          <a:effectRef idx="0">
+            <a:schemeClr val="accent1"/>
+          </a:effectRef>
+          <a:fontRef idx="minor">
+            <a:schemeClr val="lt1"/>
+          </a:fontRef>
+        </p:style>
+        <p:txBody>
+          <a:bodyPr rtlCol="0" anchor="ctr"/>
+          <a:lstStyle/>
+          <a:p>
+            <a:pPr algn="ctr"/>
+            <a:endParaRPr kumimoji="1" lang="ja-JP" altLang="en-US" sz="3200" b="1" dirty="0">
+              <a:solidFill>
+                <a:sysClr val="windowText" lastClr="000000"/>
+              </a:solidFill>
+            </a:endParaRPr>
+          </a:p>
+        </p:txBody>
+      </p:sp>
+      <p:sp>
+        <p:nvSpPr>
+          <p:cNvPr id="19" name="楕円 18"/>
+          <p:cNvSpPr/>
+          <p:nvPr/>
+        </p:nvSpPr>
+        <p:spPr>
+          <a:xfrm>
+            <a:off x="4490350" y="3364234"/>
+            <a:ext cx="1841675" cy="1841675"/>
+          </a:xfrm>
+          <a:prstGeom prst="ellipse">
+            <a:avLst/>
+          </a:prstGeom>
+          <a:solidFill>
+            <a:schemeClr val="bg1"/>
+          </a:solidFill>
+          <a:ln>
+            <a:solidFill>
+              <a:schemeClr val="bg1">
+                <a:lumMod val="95000"/>
+              </a:schemeClr>
+            </a:solidFill>
+          </a:ln>
+        </p:spPr>
+        <p:style>
+          <a:lnRef idx="2">
+            <a:schemeClr val="accent1">
+              <a:shade val="50000"/>
+            </a:schemeClr>
+          </a:lnRef>
+          <a:fillRef idx="1">
+            <a:schemeClr val="accent1"/>
+          </a:fillRef>
+          <a:effectRef idx="0">
+            <a:schemeClr val="accent1"/>
+          </a:effectRef>
+          <a:fontRef idx="minor">
+            <a:schemeClr val="lt1"/>
+          </a:fontRef>
+        </p:style>
+        <p:txBody>
+          <a:bodyPr rtlCol="0" anchor="ctr"/>
+          <a:lstStyle/>
+          <a:p>
+            <a:pPr algn="ctr"/>
+            <a:endParaRPr kumimoji="1" lang="ja-JP" altLang="en-US" sz="3200" b="1" dirty="0">
+              <a:solidFill>
+                <a:sysClr val="windowText" lastClr="000000"/>
+              </a:solidFill>
+            </a:endParaRPr>
+          </a:p>
+        </p:txBody>
+      </p:sp>
+      <p:sp>
+        <p:nvSpPr>
+          <p:cNvPr id="20" name="テキスト ボックス 19"/>
+          <p:cNvSpPr txBox="1"/>
+          <p:nvPr/>
+        </p:nvSpPr>
+        <p:spPr>
+          <a:xfrm>
+            <a:off x="756414" y="1356342"/>
+            <a:ext cx="3518912" cy="400110"/>
+          </a:xfrm>
+          <a:prstGeom prst="rect">
+            <a:avLst/>
+          </a:prstGeom>
+          <a:noFill/>
+        </p:spPr>
+        <p:txBody>
+          <a:bodyPr wrap="none" rtlCol="0">
+            <a:spAutoFit/>
+          </a:bodyPr>
+          <a:lstStyle/>
+          <a:p>
+            <a:pPr algn="ctr"/>
+            <a:r>
+              <a:rPr lang="ja-JP" altLang="en-US" sz="2000" b="1" dirty="0"/>
+              <a:t>主人公を補助</a:t>
+            </a:r>
+            <a:r>
+              <a:rPr lang="ja-JP" altLang="en-US" sz="2000" b="1" dirty="0" smtClean="0"/>
+              <a:t>するアビリティ</a:t>
+            </a:r>
+            <a:endParaRPr lang="ja-JP" altLang="en-US" sz="2000" b="1" dirty="0"/>
+          </a:p>
+        </p:txBody>
+      </p:sp>
+      <p:sp>
+        <p:nvSpPr>
+          <p:cNvPr id="21" name="テキスト ボックス 20"/>
+          <p:cNvSpPr txBox="1"/>
+          <p:nvPr/>
+        </p:nvSpPr>
+        <p:spPr>
+          <a:xfrm>
+            <a:off x="5118809" y="1356342"/>
+            <a:ext cx="3005951" cy="400110"/>
+          </a:xfrm>
+          <a:prstGeom prst="rect">
+            <a:avLst/>
+          </a:prstGeom>
+          <a:noFill/>
+        </p:spPr>
+        <p:txBody>
+          <a:bodyPr wrap="none" rtlCol="0">
+            <a:spAutoFit/>
+          </a:bodyPr>
+          <a:lstStyle/>
+          <a:p>
+            <a:pPr algn="ctr"/>
+            <a:r>
+              <a:rPr lang="ja-JP" altLang="en-US" sz="2000" b="1" dirty="0" smtClean="0"/>
+              <a:t>機動力で攻撃を回避！！</a:t>
+            </a:r>
+            <a:endParaRPr lang="ja-JP" altLang="en-US" sz="2000" b="1" dirty="0"/>
+          </a:p>
+        </p:txBody>
+      </p:sp>
+      <p:sp>
+        <p:nvSpPr>
+          <p:cNvPr id="22" name="テキスト ボックス 21"/>
+          <p:cNvSpPr txBox="1"/>
+          <p:nvPr/>
+        </p:nvSpPr>
+        <p:spPr>
+          <a:xfrm>
+            <a:off x="762149" y="3884961"/>
+            <a:ext cx="1980030" cy="400110"/>
+          </a:xfrm>
+          <a:prstGeom prst="rect">
+            <a:avLst/>
+          </a:prstGeom>
+          <a:noFill/>
+        </p:spPr>
+        <p:txBody>
+          <a:bodyPr wrap="none" rtlCol="0">
+            <a:spAutoFit/>
+          </a:bodyPr>
+          <a:lstStyle/>
+          <a:p>
+            <a:pPr algn="ctr"/>
+            <a:r>
+              <a:rPr lang="ja-JP" altLang="en-US" sz="2000" b="1" dirty="0" smtClean="0"/>
+              <a:t>頼れる相棒！！</a:t>
+            </a:r>
+            <a:endParaRPr lang="ja-JP" altLang="en-US" sz="2000" b="1" dirty="0"/>
+          </a:p>
+        </p:txBody>
+      </p:sp>
+      <p:sp>
+        <p:nvSpPr>
+          <p:cNvPr id="23" name="テキスト ボックス 22"/>
+          <p:cNvSpPr txBox="1"/>
+          <p:nvPr/>
+        </p:nvSpPr>
+        <p:spPr>
+          <a:xfrm>
+            <a:off x="6278349" y="3884961"/>
+            <a:ext cx="2236510" cy="400110"/>
+          </a:xfrm>
+          <a:prstGeom prst="rect">
+            <a:avLst/>
+          </a:prstGeom>
+          <a:noFill/>
+        </p:spPr>
+        <p:txBody>
+          <a:bodyPr wrap="none" rtlCol="0">
+            <a:spAutoFit/>
+          </a:bodyPr>
+          <a:lstStyle/>
+          <a:p>
+            <a:pPr algn="ctr"/>
+            <a:r>
+              <a:rPr lang="ja-JP" altLang="en-US" sz="2000" b="1" dirty="0" smtClean="0"/>
+              <a:t>敵の攻撃を力に！</a:t>
+            </a:r>
+            <a:endParaRPr lang="ja-JP" altLang="en-US" sz="2000" b="1" dirty="0"/>
+          </a:p>
+        </p:txBody>
+      </p:sp>
+      <p:sp>
+        <p:nvSpPr>
+          <p:cNvPr id="25" name="テキスト ボックス 24"/>
+          <p:cNvSpPr txBox="1"/>
+          <p:nvPr/>
+        </p:nvSpPr>
+        <p:spPr>
+          <a:xfrm>
+            <a:off x="4795651" y="5396221"/>
+            <a:ext cx="3652258" cy="523220"/>
+          </a:xfrm>
+          <a:prstGeom prst="rect">
+            <a:avLst/>
+          </a:prstGeom>
+          <a:noFill/>
+        </p:spPr>
+        <p:txBody>
+          <a:bodyPr wrap="square" rtlCol="0">
+            <a:spAutoFit/>
+          </a:bodyPr>
+          <a:lstStyle/>
+          <a:p>
+            <a:r>
+              <a:rPr lang="ja-JP" altLang="en-US" sz="1400" dirty="0" smtClean="0"/>
+              <a:t>シールドを使い</a:t>
+            </a:r>
+            <a:r>
+              <a:rPr lang="ja-JP" altLang="en-US" sz="1400" dirty="0" smtClean="0"/>
+              <a:t>敵の</a:t>
+            </a:r>
+            <a:r>
+              <a:rPr lang="ja-JP" altLang="en-US" sz="1400" dirty="0"/>
+              <a:t>攻撃</a:t>
+            </a:r>
+            <a:r>
+              <a:rPr lang="ja-JP" altLang="en-US" sz="1400" dirty="0" smtClean="0"/>
+              <a:t>を防ぐ</a:t>
+            </a:r>
+            <a:r>
+              <a:rPr lang="ja-JP" altLang="en-US" sz="1400" dirty="0" smtClean="0"/>
+              <a:t>と</a:t>
+            </a:r>
+            <a:endParaRPr lang="en-US" altLang="ja-JP" sz="1400" dirty="0" smtClean="0"/>
+          </a:p>
+          <a:p>
+            <a:r>
+              <a:rPr lang="ja-JP" altLang="en-US" sz="1400" dirty="0"/>
+              <a:t>スキル</a:t>
+            </a:r>
+            <a:r>
+              <a:rPr lang="ja-JP" altLang="en-US" sz="1400" dirty="0" smtClean="0"/>
+              <a:t>やアビリティのチャージが速くなる</a:t>
+            </a:r>
+            <a:endParaRPr lang="en-US" altLang="ja-JP" sz="1400" dirty="0" smtClean="0"/>
+          </a:p>
+        </p:txBody>
+      </p:sp>
+      <p:sp>
+        <p:nvSpPr>
+          <p:cNvPr id="26" name="テキスト ボックス 25"/>
+          <p:cNvSpPr txBox="1"/>
+          <p:nvPr/>
+        </p:nvSpPr>
+        <p:spPr>
+          <a:xfrm>
+            <a:off x="5419990" y="2866089"/>
+            <a:ext cx="3049003" cy="523220"/>
+          </a:xfrm>
+          <a:prstGeom prst="rect">
+            <a:avLst/>
+          </a:prstGeom>
+          <a:noFill/>
+        </p:spPr>
+        <p:txBody>
+          <a:bodyPr wrap="square" rtlCol="0">
+            <a:spAutoFit/>
+          </a:bodyPr>
+          <a:lstStyle/>
+          <a:p>
+            <a:r>
+              <a:rPr lang="ja-JP" altLang="en-US" sz="1400" dirty="0" smtClean="0"/>
+              <a:t>地上はもちろん空中回避もでき立体的な動きで移動と回避の両方こなす</a:t>
+            </a:r>
+            <a:endParaRPr lang="en-US" altLang="ja-JP" sz="1400" dirty="0" smtClean="0"/>
+          </a:p>
+        </p:txBody>
+      </p:sp>
+      <p:sp>
+        <p:nvSpPr>
+          <p:cNvPr id="12" name="角丸四角形 11"/>
+          <p:cNvSpPr/>
+          <p:nvPr/>
+        </p:nvSpPr>
+        <p:spPr>
+          <a:xfrm>
+            <a:off x="622300" y="1262342"/>
+            <a:ext cx="3787140" cy="2166657"/>
+          </a:xfrm>
+          <a:prstGeom prst="roundRect">
+            <a:avLst>
+              <a:gd name="adj" fmla="val 3912"/>
+            </a:avLst>
+          </a:prstGeom>
+          <a:noFill/>
+          <a:ln w="57150">
+            <a:solidFill>
+              <a:schemeClr val="bg1">
+                <a:lumMod val="65000"/>
+              </a:schemeClr>
+            </a:solidFill>
+          </a:ln>
+        </p:spPr>
+        <p:style>
+          <a:lnRef idx="2">
+            <a:schemeClr val="accent1">
+              <a:shade val="50000"/>
+            </a:schemeClr>
+          </a:lnRef>
+          <a:fillRef idx="1">
+            <a:schemeClr val="accent1"/>
+          </a:fillRef>
+          <a:effectRef idx="0">
+            <a:schemeClr val="accent1"/>
+          </a:effectRef>
+          <a:fontRef idx="minor">
+            <a:schemeClr val="lt1"/>
+          </a:fontRef>
+        </p:style>
+        <p:txBody>
+          <a:bodyPr rtlCol="0" anchor="ctr"/>
+          <a:lstStyle/>
+          <a:p>
+            <a:pPr algn="ctr"/>
+            <a:endParaRPr kumimoji="1" lang="ja-JP" altLang="en-US" dirty="0">
+              <a:solidFill>
+                <a:schemeClr val="tx1"/>
+              </a:solidFill>
+            </a:endParaRPr>
+          </a:p>
+        </p:txBody>
+      </p:sp>
+      <p:grpSp>
+        <p:nvGrpSpPr>
+          <p:cNvPr id="17" name="グループ化 16"/>
+          <p:cNvGrpSpPr/>
+          <p:nvPr/>
+        </p:nvGrpSpPr>
+        <p:grpSpPr>
+          <a:xfrm>
+            <a:off x="2901564" y="2022257"/>
+            <a:ext cx="3315601" cy="3086749"/>
+            <a:chOff x="2901564" y="2022257"/>
+            <a:chExt cx="3315601" cy="3086749"/>
+          </a:xfrm>
+        </p:grpSpPr>
+        <p:sp>
+          <p:nvSpPr>
+            <p:cNvPr id="6" name="楕円 5"/>
+            <p:cNvSpPr/>
+            <p:nvPr/>
+          </p:nvSpPr>
+          <p:spPr>
+            <a:xfrm>
+              <a:off x="3739048" y="2022257"/>
+              <a:ext cx="1646257" cy="1646257"/>
+            </a:xfrm>
+            <a:prstGeom prst="ellipse">
+              <a:avLst/>
+            </a:prstGeom>
+            <a:solidFill>
+              <a:schemeClr val="accent5">
+                <a:lumMod val="20000"/>
+                <a:lumOff val="80000"/>
+              </a:schemeClr>
+            </a:solidFill>
+          </p:spPr>
+          <p:style>
+            <a:lnRef idx="2">
+              <a:schemeClr val="accent1">
+                <a:shade val="50000"/>
+              </a:schemeClr>
+            </a:lnRef>
+            <a:fillRef idx="1">
+              <a:schemeClr val="accent1"/>
+            </a:fillRef>
+            <a:effectRef idx="0">
+              <a:schemeClr val="accent1"/>
+            </a:effectRef>
+            <a:fontRef idx="minor">
+              <a:schemeClr val="lt1"/>
+            </a:fontRef>
+          </p:style>
+          <p:txBody>
+            <a:bodyPr rtlCol="0" anchor="ctr"/>
+            <a:lstStyle/>
+            <a:p>
+              <a:pPr algn="ctr"/>
+              <a:endParaRPr kumimoji="1" lang="ja-JP" altLang="en-US" sz="3200" b="1" dirty="0">
+                <a:solidFill>
+                  <a:sysClr val="windowText" lastClr="000000"/>
+                </a:solidFill>
+              </a:endParaRPr>
+            </a:p>
+          </p:txBody>
+        </p:sp>
+        <p:sp>
+          <p:nvSpPr>
+            <p:cNvPr id="7" name="楕円 6"/>
+            <p:cNvSpPr/>
+            <p:nvPr/>
+          </p:nvSpPr>
+          <p:spPr>
+            <a:xfrm>
+              <a:off x="4570908" y="3461946"/>
+              <a:ext cx="1646257" cy="1646257"/>
+            </a:xfrm>
+            <a:prstGeom prst="ellipse">
+              <a:avLst/>
+            </a:prstGeom>
+            <a:solidFill>
+              <a:schemeClr val="accent6">
+                <a:lumMod val="20000"/>
+                <a:lumOff val="80000"/>
+              </a:schemeClr>
+            </a:solidFill>
+            <a:ln>
+              <a:solidFill>
+                <a:srgbClr val="00B050"/>
+              </a:solidFill>
+            </a:ln>
+          </p:spPr>
+          <p:style>
+            <a:lnRef idx="2">
+              <a:schemeClr val="accent1">
+                <a:shade val="50000"/>
+              </a:schemeClr>
+            </a:lnRef>
+            <a:fillRef idx="1">
+              <a:schemeClr val="accent1"/>
+            </a:fillRef>
+            <a:effectRef idx="0">
+              <a:schemeClr val="accent1"/>
+            </a:effectRef>
+            <a:fontRef idx="minor">
+              <a:schemeClr val="lt1"/>
+            </a:fontRef>
+          </p:style>
+          <p:txBody>
+            <a:bodyPr rtlCol="0" anchor="ctr"/>
+            <a:lstStyle/>
+            <a:p>
+              <a:pPr algn="ctr"/>
+              <a:endParaRPr kumimoji="1" lang="ja-JP" altLang="en-US" sz="3200" b="1" dirty="0">
+                <a:solidFill>
+                  <a:sysClr val="windowText" lastClr="000000"/>
+                </a:solidFill>
+              </a:endParaRPr>
+            </a:p>
+          </p:txBody>
+        </p:sp>
+        <p:sp>
+          <p:nvSpPr>
+            <p:cNvPr id="8" name="楕円 7"/>
+            <p:cNvSpPr/>
+            <p:nvPr/>
+          </p:nvSpPr>
+          <p:spPr>
+            <a:xfrm>
+              <a:off x="2901564" y="3462749"/>
+              <a:ext cx="1646257" cy="1646257"/>
+            </a:xfrm>
+            <a:prstGeom prst="ellipse">
+              <a:avLst/>
+            </a:prstGeom>
+            <a:solidFill>
+              <a:schemeClr val="accent2">
+                <a:lumMod val="20000"/>
+                <a:lumOff val="80000"/>
+              </a:schemeClr>
+            </a:solidFill>
+            <a:ln>
+              <a:solidFill>
+                <a:srgbClr val="FF0000"/>
+              </a:solidFill>
+            </a:ln>
+          </p:spPr>
+          <p:style>
+            <a:lnRef idx="2">
+              <a:schemeClr val="accent1">
+                <a:shade val="50000"/>
+              </a:schemeClr>
+            </a:lnRef>
+            <a:fillRef idx="1">
+              <a:schemeClr val="accent1"/>
+            </a:fillRef>
+            <a:effectRef idx="0">
+              <a:schemeClr val="accent1"/>
+            </a:effectRef>
+            <a:fontRef idx="minor">
+              <a:schemeClr val="lt1"/>
+            </a:fontRef>
+          </p:style>
+          <p:txBody>
+            <a:bodyPr rtlCol="0" anchor="ctr"/>
+            <a:lstStyle/>
+            <a:p>
+              <a:pPr algn="ctr"/>
+              <a:endParaRPr kumimoji="1" lang="ja-JP" altLang="en-US" sz="3200" b="1" dirty="0">
+                <a:solidFill>
+                  <a:sysClr val="windowText" lastClr="000000"/>
+                </a:solidFill>
+              </a:endParaRPr>
+            </a:p>
+          </p:txBody>
+        </p:sp>
+        <p:sp>
+          <p:nvSpPr>
+            <p:cNvPr id="9" name="テキスト ボックス 8"/>
+            <p:cNvSpPr txBox="1"/>
+            <p:nvPr/>
+          </p:nvSpPr>
+          <p:spPr>
+            <a:xfrm>
+              <a:off x="3864115" y="2638818"/>
+              <a:ext cx="1415773" cy="461665"/>
+            </a:xfrm>
+            <a:prstGeom prst="rect">
+              <a:avLst/>
+            </a:prstGeom>
+            <a:noFill/>
+          </p:spPr>
+          <p:txBody>
+            <a:bodyPr wrap="none" rtlCol="0">
+              <a:spAutoFit/>
+            </a:bodyPr>
+            <a:lstStyle/>
+            <a:p>
+              <a:pPr algn="ctr"/>
+              <a:r>
+                <a:rPr kumimoji="1" lang="ja-JP" altLang="en-US" sz="2400" b="1" dirty="0" smtClean="0"/>
+                <a:t>ブリンク</a:t>
+              </a:r>
+              <a:endParaRPr kumimoji="1" lang="ja-JP" altLang="en-US" sz="2400" b="1" dirty="0"/>
+            </a:p>
+          </p:txBody>
+        </p:sp>
+        <p:sp>
+          <p:nvSpPr>
+            <p:cNvPr id="10" name="テキスト ボックス 9"/>
+            <p:cNvSpPr txBox="1"/>
+            <p:nvPr/>
+          </p:nvSpPr>
+          <p:spPr>
+            <a:xfrm>
+              <a:off x="4686149" y="4054240"/>
+              <a:ext cx="1415773" cy="461665"/>
+            </a:xfrm>
+            <a:prstGeom prst="rect">
+              <a:avLst/>
+            </a:prstGeom>
+            <a:noFill/>
+          </p:spPr>
+          <p:txBody>
+            <a:bodyPr wrap="none" rtlCol="0">
+              <a:spAutoFit/>
+            </a:bodyPr>
+            <a:lstStyle/>
+            <a:p>
+              <a:pPr algn="ctr"/>
+              <a:r>
+                <a:rPr kumimoji="1" lang="ja-JP" altLang="en-US" sz="2400" b="1" dirty="0" smtClean="0"/>
+                <a:t>シールド</a:t>
+              </a:r>
+              <a:endParaRPr kumimoji="1" lang="ja-JP" altLang="en-US" sz="2400" b="1" dirty="0"/>
+            </a:p>
+          </p:txBody>
+        </p:sp>
+        <p:sp>
+          <p:nvSpPr>
+            <p:cNvPr id="11" name="テキスト ボックス 10"/>
+            <p:cNvSpPr txBox="1"/>
+            <p:nvPr/>
+          </p:nvSpPr>
+          <p:spPr>
+            <a:xfrm>
+              <a:off x="3039893" y="4054240"/>
+              <a:ext cx="1415772" cy="461665"/>
+            </a:xfrm>
+            <a:prstGeom prst="rect">
+              <a:avLst/>
+            </a:prstGeom>
+            <a:noFill/>
+          </p:spPr>
+          <p:txBody>
+            <a:bodyPr wrap="none" rtlCol="0">
+              <a:spAutoFit/>
+            </a:bodyPr>
+            <a:lstStyle/>
+            <a:p>
+              <a:pPr algn="ctr"/>
+              <a:r>
+                <a:rPr kumimoji="1" lang="ja-JP" altLang="en-US" sz="2400" b="1" dirty="0" smtClean="0"/>
+                <a:t>補助攻撃</a:t>
+              </a:r>
+              <a:endParaRPr kumimoji="1" lang="ja-JP" altLang="en-US" sz="2400" b="1" dirty="0"/>
+            </a:p>
+          </p:txBody>
+        </p:sp>
+      </p:grpSp>
+      <p:sp>
+        <p:nvSpPr>
+          <p:cNvPr id="27" name="テキスト ボックス 26"/>
+          <p:cNvSpPr txBox="1"/>
+          <p:nvPr/>
+        </p:nvSpPr>
+        <p:spPr>
+          <a:xfrm>
+            <a:off x="843274" y="2866089"/>
+            <a:ext cx="2976898" cy="523220"/>
+          </a:xfrm>
+          <a:prstGeom prst="rect">
+            <a:avLst/>
+          </a:prstGeom>
+          <a:noFill/>
+        </p:spPr>
+        <p:txBody>
+          <a:bodyPr wrap="square" rtlCol="0">
+            <a:spAutoFit/>
+          </a:bodyPr>
+          <a:lstStyle/>
+          <a:p>
+            <a:r>
+              <a:rPr lang="ja-JP" altLang="en-US" sz="1400" dirty="0" smtClean="0"/>
+              <a:t>乱戦時でも戦える特殊技</a:t>
+            </a:r>
+            <a:endParaRPr lang="en-US" altLang="ja-JP" sz="1400" dirty="0" smtClean="0"/>
+          </a:p>
+          <a:p>
+            <a:r>
+              <a:rPr lang="en-US" altLang="ja-JP" sz="1400" dirty="0" smtClean="0"/>
+              <a:t>1</a:t>
+            </a:r>
+            <a:r>
+              <a:rPr lang="ja-JP" altLang="en-US" sz="1400" dirty="0" smtClean="0"/>
+              <a:t>対複数時に高い効果を発揮！</a:t>
+            </a:r>
+            <a:endParaRPr lang="en-US" altLang="ja-JP" sz="1400" dirty="0" smtClean="0"/>
+          </a:p>
+        </p:txBody>
+      </p:sp>
+      <p:sp>
+        <p:nvSpPr>
+          <p:cNvPr id="28" name="テキスト ボックス 27"/>
+          <p:cNvSpPr txBox="1"/>
+          <p:nvPr/>
+        </p:nvSpPr>
+        <p:spPr>
+          <a:xfrm>
+            <a:off x="755913" y="5396221"/>
+            <a:ext cx="2976898" cy="523220"/>
+          </a:xfrm>
+          <a:prstGeom prst="rect">
+            <a:avLst/>
+          </a:prstGeom>
+          <a:noFill/>
+        </p:spPr>
+        <p:txBody>
+          <a:bodyPr wrap="square" rtlCol="0">
+            <a:spAutoFit/>
+          </a:bodyPr>
+          <a:lstStyle/>
+          <a:p>
+            <a:r>
+              <a:rPr lang="ja-JP" altLang="en-US" sz="1400" dirty="0" smtClean="0"/>
+              <a:t>乱戦時でも戦える特殊技</a:t>
+            </a:r>
+            <a:endParaRPr lang="en-US" altLang="ja-JP" sz="1400" dirty="0" smtClean="0"/>
+          </a:p>
+          <a:p>
+            <a:r>
+              <a:rPr lang="en-US" altLang="ja-JP" sz="1400" dirty="0" smtClean="0"/>
+              <a:t>1</a:t>
+            </a:r>
+            <a:r>
+              <a:rPr lang="ja-JP" altLang="en-US" sz="1400" dirty="0" smtClean="0"/>
+              <a:t>対複数時に高い効果を発揮！</a:t>
+            </a:r>
+            <a:endParaRPr lang="en-US" altLang="ja-JP" sz="1400" dirty="0" smtClean="0"/>
+          </a:p>
+        </p:txBody>
+      </p:sp>
+      <p:sp>
+        <p:nvSpPr>
+          <p:cNvPr id="29" name="正方形/長方形 28"/>
+          <p:cNvSpPr/>
+          <p:nvPr/>
+        </p:nvSpPr>
+        <p:spPr>
+          <a:xfrm>
+            <a:off x="839846" y="1720518"/>
+            <a:ext cx="2015493" cy="1149130"/>
+          </a:xfrm>
+          <a:prstGeom prst="rect">
+            <a:avLst/>
+          </a:prstGeom>
+        </p:spPr>
+        <p:style>
+          <a:lnRef idx="2">
+            <a:schemeClr val="accent1">
+              <a:shade val="50000"/>
+            </a:schemeClr>
+          </a:lnRef>
+          <a:fillRef idx="1">
+            <a:schemeClr val="accent1"/>
+          </a:fillRef>
+          <a:effectRef idx="0">
+            <a:schemeClr val="accent1"/>
+          </a:effectRef>
+          <a:fontRef idx="minor">
+            <a:schemeClr val="lt1"/>
+          </a:fontRef>
+        </p:style>
+        <p:txBody>
+          <a:bodyPr rtlCol="0" anchor="ctr"/>
+          <a:lstStyle/>
+          <a:p>
+            <a:pPr algn="ctr"/>
+            <a:endParaRPr kumimoji="1" lang="ja-JP" altLang="en-US"/>
+          </a:p>
+        </p:txBody>
+      </p:sp>
+      <p:sp>
+        <p:nvSpPr>
+          <p:cNvPr id="30" name="正方形/長方形 29"/>
+          <p:cNvSpPr/>
+          <p:nvPr/>
+        </p:nvSpPr>
+        <p:spPr>
+          <a:xfrm>
+            <a:off x="839846" y="4240766"/>
+            <a:ext cx="2015493" cy="1149130"/>
+          </a:xfrm>
+          <a:prstGeom prst="rect">
+            <a:avLst/>
+          </a:prstGeom>
+        </p:spPr>
+        <p:style>
+          <a:lnRef idx="2">
+            <a:schemeClr val="accent1">
+              <a:shade val="50000"/>
+            </a:schemeClr>
+          </a:lnRef>
+          <a:fillRef idx="1">
+            <a:schemeClr val="accent1"/>
+          </a:fillRef>
+          <a:effectRef idx="0">
+            <a:schemeClr val="accent1"/>
+          </a:effectRef>
+          <a:fontRef idx="minor">
+            <a:schemeClr val="lt1"/>
+          </a:fontRef>
+        </p:style>
+        <p:txBody>
+          <a:bodyPr rtlCol="0" anchor="ctr"/>
+          <a:lstStyle/>
+          <a:p>
+            <a:pPr algn="ctr"/>
+            <a:endParaRPr kumimoji="1" lang="ja-JP" altLang="en-US"/>
+          </a:p>
+        </p:txBody>
+      </p:sp>
+      <p:sp>
+        <p:nvSpPr>
+          <p:cNvPr id="31" name="正方形/長方形 30"/>
+          <p:cNvSpPr/>
+          <p:nvPr/>
+        </p:nvSpPr>
+        <p:spPr>
+          <a:xfrm>
+            <a:off x="6338950" y="1720518"/>
+            <a:ext cx="2015493" cy="1149130"/>
+          </a:xfrm>
+          <a:prstGeom prst="rect">
+            <a:avLst/>
+          </a:prstGeom>
+        </p:spPr>
+        <p:style>
+          <a:lnRef idx="2">
+            <a:schemeClr val="accent1">
+              <a:shade val="50000"/>
+            </a:schemeClr>
+          </a:lnRef>
+          <a:fillRef idx="1">
+            <a:schemeClr val="accent1"/>
+          </a:fillRef>
+          <a:effectRef idx="0">
+            <a:schemeClr val="accent1"/>
+          </a:effectRef>
+          <a:fontRef idx="minor">
+            <a:schemeClr val="lt1"/>
+          </a:fontRef>
+        </p:style>
+        <p:txBody>
+          <a:bodyPr rtlCol="0" anchor="ctr"/>
+          <a:lstStyle/>
+          <a:p>
+            <a:pPr algn="ctr"/>
+            <a:endParaRPr kumimoji="1" lang="ja-JP" altLang="en-US"/>
+          </a:p>
+        </p:txBody>
+      </p:sp>
+      <p:sp>
+        <p:nvSpPr>
+          <p:cNvPr id="32" name="正方形/長方形 31"/>
+          <p:cNvSpPr/>
+          <p:nvPr/>
+        </p:nvSpPr>
+        <p:spPr>
+          <a:xfrm>
+            <a:off x="6338951" y="4240766"/>
+            <a:ext cx="2015493" cy="1149130"/>
+          </a:xfrm>
+          <a:prstGeom prst="rect">
+            <a:avLst/>
+          </a:prstGeom>
+        </p:spPr>
+        <p:style>
+          <a:lnRef idx="2">
+            <a:schemeClr val="accent1">
+              <a:shade val="50000"/>
+            </a:schemeClr>
+          </a:lnRef>
+          <a:fillRef idx="1">
+            <a:schemeClr val="accent1"/>
+          </a:fillRef>
+          <a:effectRef idx="0">
+            <a:schemeClr val="accent1"/>
+          </a:effectRef>
+          <a:fontRef idx="minor">
+            <a:schemeClr val="lt1"/>
+          </a:fontRef>
+        </p:style>
+        <p:txBody>
+          <a:bodyPr rtlCol="0" anchor="ctr"/>
+          <a:lstStyle/>
+          <a:p>
+            <a:pPr algn="ctr"/>
+            <a:endParaRPr kumimoji="1" lang="ja-JP" altLang="en-US"/>
+          </a:p>
+        </p:txBody>
+      </p:sp>
     </p:spTree>
     <p:extLst>
       <p:ext uri="{BB962C8B-B14F-4D97-AF65-F5344CB8AC3E}">
-        <p14:creationId xmlns:p14="http://schemas.microsoft.com/office/powerpoint/2010/main" val="3540324040"/>
+        <p14:creationId xmlns:p14="http://schemas.microsoft.com/office/powerpoint/2010/main" val="2877916795"/>
       </p:ext>
     </p:extLst>
   </p:cSld>
   <p:clrMapOvr>
     <a:masterClrMapping/>
   </p:clrMapOvr>
+  <mc:AlternateContent xmlns:mc="http://schemas.openxmlformats.org/markup-compatibility/2006">
+    <mc:Choice xmlns:p14="http://schemas.microsoft.com/office/powerpoint/2010/main" Requires="p14">
+      <p:transition p14:dur="0"/>
+    </mc:Choice>
+    <mc:Fallback>
+      <p:transition/>
+    </mc:Fallback>
+  </mc:AlternateContent>
   <p:timing>
     <p:tnLst>
       <p:par>
@@ -6072,42 +6723,9 @@
           <a:p>
             <a:r>
               <a:rPr kumimoji="1" lang="ja-JP" altLang="en-US" dirty="0" smtClean="0"/>
-              <a:t>連鎖する雷の矢</a:t>
+              <a:t>必殺スキルで一気に殲滅</a:t>
             </a:r>
             <a:endParaRPr kumimoji="1" lang="ja-JP" altLang="en-US" dirty="0"/>
-          </a:p>
-        </p:txBody>
-      </p:sp>
-      <p:sp>
-        <p:nvSpPr>
-          <p:cNvPr id="3" name="コンテンツ プレースホルダー 2"/>
-          <p:cNvSpPr>
-            <a:spLocks noGrp="1"/>
-          </p:cNvSpPr>
-          <p:nvPr>
-            <p:ph idx="1"/>
-          </p:nvPr>
-        </p:nvSpPr>
-        <p:spPr>
-          <a:xfrm>
-            <a:off x="5391150" y="1181101"/>
-            <a:ext cx="3124200" cy="2590800"/>
-          </a:xfrm>
-        </p:spPr>
-        <p:txBody>
-          <a:bodyPr>
-            <a:normAutofit/>
-          </a:bodyPr>
-          <a:lstStyle/>
-          <a:p>
-            <a:pPr marL="0" indent="0">
-              <a:buNone/>
-            </a:pPr>
-            <a:r>
-              <a:rPr kumimoji="1" lang="ja-JP" altLang="en-US" dirty="0" smtClean="0"/>
-              <a:t>■弓（範囲攻撃）</a:t>
-            </a:r>
-            <a:endParaRPr kumimoji="1" lang="en-US" altLang="ja-JP" dirty="0" smtClean="0"/>
           </a:p>
         </p:txBody>
       </p:sp>
@@ -6133,14 +6751,952 @@
         </p:blipFill>
         <p:spPr>
           <a:xfrm>
-            <a:off x="622300" y="1181101"/>
-            <a:ext cx="4762500" cy="2590800"/>
+            <a:off x="716598" y="1905428"/>
+            <a:ext cx="3766820" cy="2049150"/>
           </a:xfrm>
           <a:prstGeom prst="rect">
             <a:avLst/>
           </a:prstGeom>
         </p:spPr>
       </p:pic>
+      <p:sp>
+        <p:nvSpPr>
+          <p:cNvPr id="5" name="コンテンツ プレースホルダー 2"/>
+          <p:cNvSpPr txBox="1">
+            <a:spLocks/>
+          </p:cNvSpPr>
+          <p:nvPr/>
+        </p:nvSpPr>
+        <p:spPr>
+          <a:xfrm>
+            <a:off x="4660265" y="4169887"/>
+            <a:ext cx="3760470" cy="916463"/>
+          </a:xfrm>
+          <a:prstGeom prst="rect">
+            <a:avLst/>
+          </a:prstGeom>
+        </p:spPr>
+        <p:txBody>
+          <a:bodyPr vert="horz" lIns="91440" tIns="45720" rIns="91440" bIns="45720" rtlCol="0">
+            <a:normAutofit/>
+          </a:bodyPr>
+          <a:lstStyle>
+            <a:lvl1pPr marL="228600" indent="-228600" algn="l" defTabSz="914400" rtl="0" eaLnBrk="1" latinLnBrk="0" hangingPunct="1">
+              <a:lnSpc>
+                <a:spcPct val="90000"/>
+              </a:lnSpc>
+              <a:spcBef>
+                <a:spcPts val="1000"/>
+              </a:spcBef>
+              <a:buFont typeface="Arial" panose="020B0604020202020204" pitchFamily="34" charset="0"/>
+              <a:buChar char="•"/>
+              <a:defRPr kumimoji="1" sz="2800" kern="1200">
+                <a:solidFill>
+                  <a:schemeClr val="tx1"/>
+                </a:solidFill>
+                <a:latin typeface="+mn-lt"/>
+                <a:ea typeface="+mn-ea"/>
+                <a:cs typeface="+mn-cs"/>
+              </a:defRPr>
+            </a:lvl1pPr>
+            <a:lvl2pPr marL="685800" indent="-228600" algn="l" defTabSz="914400" rtl="0" eaLnBrk="1" latinLnBrk="0" hangingPunct="1">
+              <a:lnSpc>
+                <a:spcPct val="90000"/>
+              </a:lnSpc>
+              <a:spcBef>
+                <a:spcPts val="500"/>
+              </a:spcBef>
+              <a:buFont typeface="Arial" panose="020B0604020202020204" pitchFamily="34" charset="0"/>
+              <a:buChar char="•"/>
+              <a:defRPr kumimoji="1" sz="2400" kern="1200">
+                <a:solidFill>
+                  <a:schemeClr val="tx1"/>
+                </a:solidFill>
+                <a:latin typeface="+mn-lt"/>
+                <a:ea typeface="+mn-ea"/>
+                <a:cs typeface="+mn-cs"/>
+              </a:defRPr>
+            </a:lvl2pPr>
+            <a:lvl3pPr marL="1143000" indent="-228600" algn="l" defTabSz="914400" rtl="0" eaLnBrk="1" latinLnBrk="0" hangingPunct="1">
+              <a:lnSpc>
+                <a:spcPct val="90000"/>
+              </a:lnSpc>
+              <a:spcBef>
+                <a:spcPts val="500"/>
+              </a:spcBef>
+              <a:buFont typeface="Arial" panose="020B0604020202020204" pitchFamily="34" charset="0"/>
+              <a:buChar char="•"/>
+              <a:defRPr kumimoji="1" sz="2000" kern="1200">
+                <a:solidFill>
+                  <a:schemeClr val="tx1"/>
+                </a:solidFill>
+                <a:latin typeface="+mn-lt"/>
+                <a:ea typeface="+mn-ea"/>
+                <a:cs typeface="+mn-cs"/>
+              </a:defRPr>
+            </a:lvl3pPr>
+            <a:lvl4pPr marL="1600200" indent="-228600" algn="l" defTabSz="914400" rtl="0" eaLnBrk="1" latinLnBrk="0" hangingPunct="1">
+              <a:lnSpc>
+                <a:spcPct val="90000"/>
+              </a:lnSpc>
+              <a:spcBef>
+                <a:spcPts val="500"/>
+              </a:spcBef>
+              <a:buFont typeface="Arial" panose="020B0604020202020204" pitchFamily="34" charset="0"/>
+              <a:buChar char="•"/>
+              <a:defRPr kumimoji="1" sz="1800" kern="1200">
+                <a:solidFill>
+                  <a:schemeClr val="tx1"/>
+                </a:solidFill>
+                <a:latin typeface="+mn-lt"/>
+                <a:ea typeface="+mn-ea"/>
+                <a:cs typeface="+mn-cs"/>
+              </a:defRPr>
+            </a:lvl4pPr>
+            <a:lvl5pPr marL="2057400" indent="-228600" algn="l" defTabSz="914400" rtl="0" eaLnBrk="1" latinLnBrk="0" hangingPunct="1">
+              <a:lnSpc>
+                <a:spcPct val="90000"/>
+              </a:lnSpc>
+              <a:spcBef>
+                <a:spcPts val="500"/>
+              </a:spcBef>
+              <a:buFont typeface="Arial" panose="020B0604020202020204" pitchFamily="34" charset="0"/>
+              <a:buChar char="•"/>
+              <a:defRPr kumimoji="1" sz="1800" kern="1200">
+                <a:solidFill>
+                  <a:schemeClr val="tx1"/>
+                </a:solidFill>
+                <a:latin typeface="+mn-lt"/>
+                <a:ea typeface="+mn-ea"/>
+                <a:cs typeface="+mn-cs"/>
+              </a:defRPr>
+            </a:lvl5pPr>
+            <a:lvl6pPr marL="2514600" indent="-228600" algn="l" defTabSz="914400" rtl="0" eaLnBrk="1" latinLnBrk="0" hangingPunct="1">
+              <a:lnSpc>
+                <a:spcPct val="90000"/>
+              </a:lnSpc>
+              <a:spcBef>
+                <a:spcPts val="500"/>
+              </a:spcBef>
+              <a:buFont typeface="Arial" panose="020B0604020202020204" pitchFamily="34" charset="0"/>
+              <a:buChar char="•"/>
+              <a:defRPr kumimoji="1" sz="1800" kern="1200">
+                <a:solidFill>
+                  <a:schemeClr val="tx1"/>
+                </a:solidFill>
+                <a:latin typeface="+mn-lt"/>
+                <a:ea typeface="+mn-ea"/>
+                <a:cs typeface="+mn-cs"/>
+              </a:defRPr>
+            </a:lvl6pPr>
+            <a:lvl7pPr marL="2971800" indent="-228600" algn="l" defTabSz="914400" rtl="0" eaLnBrk="1" latinLnBrk="0" hangingPunct="1">
+              <a:lnSpc>
+                <a:spcPct val="90000"/>
+              </a:lnSpc>
+              <a:spcBef>
+                <a:spcPts val="500"/>
+              </a:spcBef>
+              <a:buFont typeface="Arial" panose="020B0604020202020204" pitchFamily="34" charset="0"/>
+              <a:buChar char="•"/>
+              <a:defRPr kumimoji="1" sz="1800" kern="1200">
+                <a:solidFill>
+                  <a:schemeClr val="tx1"/>
+                </a:solidFill>
+                <a:latin typeface="+mn-lt"/>
+                <a:ea typeface="+mn-ea"/>
+                <a:cs typeface="+mn-cs"/>
+              </a:defRPr>
+            </a:lvl7pPr>
+            <a:lvl8pPr marL="3429000" indent="-228600" algn="l" defTabSz="914400" rtl="0" eaLnBrk="1" latinLnBrk="0" hangingPunct="1">
+              <a:lnSpc>
+                <a:spcPct val="90000"/>
+              </a:lnSpc>
+              <a:spcBef>
+                <a:spcPts val="500"/>
+              </a:spcBef>
+              <a:buFont typeface="Arial" panose="020B0604020202020204" pitchFamily="34" charset="0"/>
+              <a:buChar char="•"/>
+              <a:defRPr kumimoji="1" sz="1800" kern="1200">
+                <a:solidFill>
+                  <a:schemeClr val="tx1"/>
+                </a:solidFill>
+                <a:latin typeface="+mn-lt"/>
+                <a:ea typeface="+mn-ea"/>
+                <a:cs typeface="+mn-cs"/>
+              </a:defRPr>
+            </a:lvl8pPr>
+            <a:lvl9pPr marL="3886200" indent="-228600" algn="l" defTabSz="914400" rtl="0" eaLnBrk="1" latinLnBrk="0" hangingPunct="1">
+              <a:lnSpc>
+                <a:spcPct val="90000"/>
+              </a:lnSpc>
+              <a:spcBef>
+                <a:spcPts val="500"/>
+              </a:spcBef>
+              <a:buFont typeface="Arial" panose="020B0604020202020204" pitchFamily="34" charset="0"/>
+              <a:buChar char="•"/>
+              <a:defRPr kumimoji="1" sz="1800" kern="1200">
+                <a:solidFill>
+                  <a:schemeClr val="tx1"/>
+                </a:solidFill>
+                <a:latin typeface="+mn-lt"/>
+                <a:ea typeface="+mn-ea"/>
+                <a:cs typeface="+mn-cs"/>
+              </a:defRPr>
+            </a:lvl9pPr>
+          </a:lstStyle>
+          <a:p>
+            <a:pPr marL="0" indent="0">
+              <a:lnSpc>
+                <a:spcPct val="100000"/>
+              </a:lnSpc>
+              <a:buFont typeface="Arial" panose="020B0604020202020204" pitchFamily="34" charset="0"/>
+              <a:buNone/>
+            </a:pPr>
+            <a:r>
+              <a:rPr lang="ja-JP" altLang="en-US" sz="2000" dirty="0"/>
+              <a:t>光</a:t>
+            </a:r>
+            <a:r>
+              <a:rPr lang="ja-JP" altLang="en-US" sz="2000" dirty="0" smtClean="0"/>
+              <a:t>をまとった</a:t>
+            </a:r>
+            <a:r>
+              <a:rPr lang="ja-JP" altLang="en-US" sz="2000" dirty="0"/>
+              <a:t>剣</a:t>
+            </a:r>
+            <a:r>
+              <a:rPr lang="ja-JP" altLang="en-US" sz="2000" dirty="0" smtClean="0"/>
+              <a:t>は、敵を切るたび爆発を起こす</a:t>
+            </a:r>
+            <a:r>
+              <a:rPr lang="ja-JP" altLang="en-US" sz="2000" dirty="0" smtClean="0"/>
+              <a:t>！</a:t>
+            </a:r>
+            <a:endParaRPr lang="en-US" altLang="ja-JP" sz="2000" dirty="0" smtClean="0"/>
+          </a:p>
+        </p:txBody>
+      </p:sp>
+      <p:pic>
+        <p:nvPicPr>
+          <p:cNvPr id="6" name="図 5"/>
+          <p:cNvPicPr>
+            <a:picLocks noChangeAspect="1"/>
+          </p:cNvPicPr>
+          <p:nvPr/>
+        </p:nvPicPr>
+        <p:blipFill rotWithShape="1">
+          <a:blip r:embed="rId4" cstate="print">
+            <a:extLst>
+              <a:ext uri="{28A0092B-C50C-407E-A947-70E740481C1C}">
+                <a14:useLocalDpi xmlns:a14="http://schemas.microsoft.com/office/drawing/2010/main" val="0"/>
+              </a:ext>
+            </a:extLst>
+          </a:blip>
+          <a:srcRect t="3071"/>
+          <a:stretch/>
+        </p:blipFill>
+        <p:spPr>
+          <a:xfrm>
+            <a:off x="4660265" y="1905428"/>
+            <a:ext cx="3766820" cy="2053772"/>
+          </a:xfrm>
+          <a:prstGeom prst="rect">
+            <a:avLst/>
+          </a:prstGeom>
+        </p:spPr>
+      </p:pic>
+      <p:sp>
+        <p:nvSpPr>
+          <p:cNvPr id="8" name="テキスト ボックス 7"/>
+          <p:cNvSpPr txBox="1"/>
+          <p:nvPr/>
+        </p:nvSpPr>
+        <p:spPr>
+          <a:xfrm>
+            <a:off x="4572000" y="1209404"/>
+            <a:ext cx="3943350" cy="461665"/>
+          </a:xfrm>
+          <a:prstGeom prst="rect">
+            <a:avLst/>
+          </a:prstGeom>
+          <a:solidFill>
+            <a:srgbClr val="FF7C80"/>
+          </a:solidFill>
+        </p:spPr>
+        <p:txBody>
+          <a:bodyPr wrap="square" rtlCol="0">
+            <a:spAutoFit/>
+          </a:bodyPr>
+          <a:lstStyle/>
+          <a:p>
+            <a:pPr algn="ctr"/>
+            <a:r>
+              <a:rPr kumimoji="1" lang="ja-JP" altLang="en-US" sz="2400" b="1" dirty="0" smtClean="0"/>
+              <a:t>爆風を生み出す光剣</a:t>
+            </a:r>
+            <a:endParaRPr kumimoji="1" lang="ja-JP" altLang="en-US" sz="2400" b="1" dirty="0"/>
+          </a:p>
+        </p:txBody>
+      </p:sp>
+      <p:sp>
+        <p:nvSpPr>
+          <p:cNvPr id="9" name="テキスト ボックス 8"/>
+          <p:cNvSpPr txBox="1"/>
+          <p:nvPr/>
+        </p:nvSpPr>
+        <p:spPr>
+          <a:xfrm>
+            <a:off x="622300" y="1209404"/>
+            <a:ext cx="3946525" cy="461665"/>
+          </a:xfrm>
+          <a:prstGeom prst="rect">
+            <a:avLst/>
+          </a:prstGeom>
+          <a:solidFill>
+            <a:srgbClr val="B17ED8"/>
+          </a:solidFill>
+        </p:spPr>
+        <p:txBody>
+          <a:bodyPr wrap="square" rtlCol="0">
+            <a:spAutoFit/>
+          </a:bodyPr>
+          <a:lstStyle/>
+          <a:p>
+            <a:pPr algn="ctr"/>
+            <a:r>
+              <a:rPr kumimoji="1" lang="ja-JP" altLang="en-US" sz="2400" b="1" dirty="0" smtClean="0"/>
+              <a:t>連鎖する雷の矢</a:t>
+            </a:r>
+            <a:endParaRPr kumimoji="1" lang="ja-JP" altLang="en-US" sz="2400" b="1" dirty="0"/>
+          </a:p>
+        </p:txBody>
+      </p:sp>
+      <p:sp>
+        <p:nvSpPr>
+          <p:cNvPr id="10" name="コンテンツ プレースホルダー 2"/>
+          <p:cNvSpPr txBox="1">
+            <a:spLocks/>
+          </p:cNvSpPr>
+          <p:nvPr/>
+        </p:nvSpPr>
+        <p:spPr>
+          <a:xfrm>
+            <a:off x="716598" y="4169887"/>
+            <a:ext cx="3760470" cy="916463"/>
+          </a:xfrm>
+          <a:prstGeom prst="rect">
+            <a:avLst/>
+          </a:prstGeom>
+        </p:spPr>
+        <p:txBody>
+          <a:bodyPr vert="horz" lIns="91440" tIns="45720" rIns="91440" bIns="45720" rtlCol="0">
+            <a:normAutofit/>
+          </a:bodyPr>
+          <a:lstStyle>
+            <a:lvl1pPr marL="228600" indent="-228600" algn="l" defTabSz="914400" rtl="0" eaLnBrk="1" latinLnBrk="0" hangingPunct="1">
+              <a:lnSpc>
+                <a:spcPct val="90000"/>
+              </a:lnSpc>
+              <a:spcBef>
+                <a:spcPts val="1000"/>
+              </a:spcBef>
+              <a:buFont typeface="Arial" panose="020B0604020202020204" pitchFamily="34" charset="0"/>
+              <a:buChar char="•"/>
+              <a:defRPr kumimoji="1" sz="2800" kern="1200">
+                <a:solidFill>
+                  <a:schemeClr val="tx1"/>
+                </a:solidFill>
+                <a:latin typeface="+mn-lt"/>
+                <a:ea typeface="+mn-ea"/>
+                <a:cs typeface="+mn-cs"/>
+              </a:defRPr>
+            </a:lvl1pPr>
+            <a:lvl2pPr marL="685800" indent="-228600" algn="l" defTabSz="914400" rtl="0" eaLnBrk="1" latinLnBrk="0" hangingPunct="1">
+              <a:lnSpc>
+                <a:spcPct val="90000"/>
+              </a:lnSpc>
+              <a:spcBef>
+                <a:spcPts val="500"/>
+              </a:spcBef>
+              <a:buFont typeface="Arial" panose="020B0604020202020204" pitchFamily="34" charset="0"/>
+              <a:buChar char="•"/>
+              <a:defRPr kumimoji="1" sz="2400" kern="1200">
+                <a:solidFill>
+                  <a:schemeClr val="tx1"/>
+                </a:solidFill>
+                <a:latin typeface="+mn-lt"/>
+                <a:ea typeface="+mn-ea"/>
+                <a:cs typeface="+mn-cs"/>
+              </a:defRPr>
+            </a:lvl2pPr>
+            <a:lvl3pPr marL="1143000" indent="-228600" algn="l" defTabSz="914400" rtl="0" eaLnBrk="1" latinLnBrk="0" hangingPunct="1">
+              <a:lnSpc>
+                <a:spcPct val="90000"/>
+              </a:lnSpc>
+              <a:spcBef>
+                <a:spcPts val="500"/>
+              </a:spcBef>
+              <a:buFont typeface="Arial" panose="020B0604020202020204" pitchFamily="34" charset="0"/>
+              <a:buChar char="•"/>
+              <a:defRPr kumimoji="1" sz="2000" kern="1200">
+                <a:solidFill>
+                  <a:schemeClr val="tx1"/>
+                </a:solidFill>
+                <a:latin typeface="+mn-lt"/>
+                <a:ea typeface="+mn-ea"/>
+                <a:cs typeface="+mn-cs"/>
+              </a:defRPr>
+            </a:lvl3pPr>
+            <a:lvl4pPr marL="1600200" indent="-228600" algn="l" defTabSz="914400" rtl="0" eaLnBrk="1" latinLnBrk="0" hangingPunct="1">
+              <a:lnSpc>
+                <a:spcPct val="90000"/>
+              </a:lnSpc>
+              <a:spcBef>
+                <a:spcPts val="500"/>
+              </a:spcBef>
+              <a:buFont typeface="Arial" panose="020B0604020202020204" pitchFamily="34" charset="0"/>
+              <a:buChar char="•"/>
+              <a:defRPr kumimoji="1" sz="1800" kern="1200">
+                <a:solidFill>
+                  <a:schemeClr val="tx1"/>
+                </a:solidFill>
+                <a:latin typeface="+mn-lt"/>
+                <a:ea typeface="+mn-ea"/>
+                <a:cs typeface="+mn-cs"/>
+              </a:defRPr>
+            </a:lvl4pPr>
+            <a:lvl5pPr marL="2057400" indent="-228600" algn="l" defTabSz="914400" rtl="0" eaLnBrk="1" latinLnBrk="0" hangingPunct="1">
+              <a:lnSpc>
+                <a:spcPct val="90000"/>
+              </a:lnSpc>
+              <a:spcBef>
+                <a:spcPts val="500"/>
+              </a:spcBef>
+              <a:buFont typeface="Arial" panose="020B0604020202020204" pitchFamily="34" charset="0"/>
+              <a:buChar char="•"/>
+              <a:defRPr kumimoji="1" sz="1800" kern="1200">
+                <a:solidFill>
+                  <a:schemeClr val="tx1"/>
+                </a:solidFill>
+                <a:latin typeface="+mn-lt"/>
+                <a:ea typeface="+mn-ea"/>
+                <a:cs typeface="+mn-cs"/>
+              </a:defRPr>
+            </a:lvl5pPr>
+            <a:lvl6pPr marL="2514600" indent="-228600" algn="l" defTabSz="914400" rtl="0" eaLnBrk="1" latinLnBrk="0" hangingPunct="1">
+              <a:lnSpc>
+                <a:spcPct val="90000"/>
+              </a:lnSpc>
+              <a:spcBef>
+                <a:spcPts val="500"/>
+              </a:spcBef>
+              <a:buFont typeface="Arial" panose="020B0604020202020204" pitchFamily="34" charset="0"/>
+              <a:buChar char="•"/>
+              <a:defRPr kumimoji="1" sz="1800" kern="1200">
+                <a:solidFill>
+                  <a:schemeClr val="tx1"/>
+                </a:solidFill>
+                <a:latin typeface="+mn-lt"/>
+                <a:ea typeface="+mn-ea"/>
+                <a:cs typeface="+mn-cs"/>
+              </a:defRPr>
+            </a:lvl6pPr>
+            <a:lvl7pPr marL="2971800" indent="-228600" algn="l" defTabSz="914400" rtl="0" eaLnBrk="1" latinLnBrk="0" hangingPunct="1">
+              <a:lnSpc>
+                <a:spcPct val="90000"/>
+              </a:lnSpc>
+              <a:spcBef>
+                <a:spcPts val="500"/>
+              </a:spcBef>
+              <a:buFont typeface="Arial" panose="020B0604020202020204" pitchFamily="34" charset="0"/>
+              <a:buChar char="•"/>
+              <a:defRPr kumimoji="1" sz="1800" kern="1200">
+                <a:solidFill>
+                  <a:schemeClr val="tx1"/>
+                </a:solidFill>
+                <a:latin typeface="+mn-lt"/>
+                <a:ea typeface="+mn-ea"/>
+                <a:cs typeface="+mn-cs"/>
+              </a:defRPr>
+            </a:lvl7pPr>
+            <a:lvl8pPr marL="3429000" indent="-228600" algn="l" defTabSz="914400" rtl="0" eaLnBrk="1" latinLnBrk="0" hangingPunct="1">
+              <a:lnSpc>
+                <a:spcPct val="90000"/>
+              </a:lnSpc>
+              <a:spcBef>
+                <a:spcPts val="500"/>
+              </a:spcBef>
+              <a:buFont typeface="Arial" panose="020B0604020202020204" pitchFamily="34" charset="0"/>
+              <a:buChar char="•"/>
+              <a:defRPr kumimoji="1" sz="1800" kern="1200">
+                <a:solidFill>
+                  <a:schemeClr val="tx1"/>
+                </a:solidFill>
+                <a:latin typeface="+mn-lt"/>
+                <a:ea typeface="+mn-ea"/>
+                <a:cs typeface="+mn-cs"/>
+              </a:defRPr>
+            </a:lvl8pPr>
+            <a:lvl9pPr marL="3886200" indent="-228600" algn="l" defTabSz="914400" rtl="0" eaLnBrk="1" latinLnBrk="0" hangingPunct="1">
+              <a:lnSpc>
+                <a:spcPct val="90000"/>
+              </a:lnSpc>
+              <a:spcBef>
+                <a:spcPts val="500"/>
+              </a:spcBef>
+              <a:buFont typeface="Arial" panose="020B0604020202020204" pitchFamily="34" charset="0"/>
+              <a:buChar char="•"/>
+              <a:defRPr kumimoji="1" sz="1800" kern="1200">
+                <a:solidFill>
+                  <a:schemeClr val="tx1"/>
+                </a:solidFill>
+                <a:latin typeface="+mn-lt"/>
+                <a:ea typeface="+mn-ea"/>
+                <a:cs typeface="+mn-cs"/>
+              </a:defRPr>
+            </a:lvl9pPr>
+          </a:lstStyle>
+          <a:p>
+            <a:pPr marL="0" indent="0">
+              <a:lnSpc>
+                <a:spcPct val="100000"/>
+              </a:lnSpc>
+              <a:buNone/>
+            </a:pPr>
+            <a:r>
+              <a:rPr lang="ja-JP" altLang="en-US" sz="2000" dirty="0"/>
+              <a:t>放つたびに周囲の敵を巻き込み</a:t>
+            </a:r>
+            <a:endParaRPr lang="en-US" altLang="ja-JP" sz="2000" dirty="0"/>
+          </a:p>
+          <a:p>
+            <a:pPr marL="0" indent="0">
+              <a:lnSpc>
+                <a:spcPct val="100000"/>
+              </a:lnSpc>
+              <a:buNone/>
+            </a:pPr>
+            <a:r>
+              <a:rPr lang="ja-JP" altLang="en-US" sz="2000" dirty="0"/>
+              <a:t>一網打尽にする弓矢！</a:t>
+            </a:r>
+            <a:endParaRPr lang="en-US" altLang="ja-JP" sz="2000" dirty="0"/>
+          </a:p>
+        </p:txBody>
+      </p:sp>
+      <p:sp>
+        <p:nvSpPr>
+          <p:cNvPr id="11" name="コンテンツ プレースホルダー 2"/>
+          <p:cNvSpPr txBox="1">
+            <a:spLocks/>
+          </p:cNvSpPr>
+          <p:nvPr/>
+        </p:nvSpPr>
+        <p:spPr>
+          <a:xfrm>
+            <a:off x="1426271" y="5945255"/>
+            <a:ext cx="6336061" cy="611663"/>
+          </a:xfrm>
+          <a:prstGeom prst="rect">
+            <a:avLst/>
+          </a:prstGeom>
+        </p:spPr>
+        <p:txBody>
+          <a:bodyPr vert="horz" lIns="91440" tIns="45720" rIns="91440" bIns="45720" rtlCol="0">
+            <a:noAutofit/>
+          </a:bodyPr>
+          <a:lstStyle>
+            <a:lvl1pPr marL="228600" indent="-228600" algn="l" defTabSz="914400" rtl="0" eaLnBrk="1" latinLnBrk="0" hangingPunct="1">
+              <a:lnSpc>
+                <a:spcPct val="90000"/>
+              </a:lnSpc>
+              <a:spcBef>
+                <a:spcPts val="1000"/>
+              </a:spcBef>
+              <a:buFont typeface="Arial" panose="020B0604020202020204" pitchFamily="34" charset="0"/>
+              <a:buChar char="•"/>
+              <a:defRPr kumimoji="1" sz="2800" kern="1200">
+                <a:solidFill>
+                  <a:schemeClr val="tx1"/>
+                </a:solidFill>
+                <a:latin typeface="+mn-lt"/>
+                <a:ea typeface="+mn-ea"/>
+                <a:cs typeface="+mn-cs"/>
+              </a:defRPr>
+            </a:lvl1pPr>
+            <a:lvl2pPr marL="685800" indent="-228600" algn="l" defTabSz="914400" rtl="0" eaLnBrk="1" latinLnBrk="0" hangingPunct="1">
+              <a:lnSpc>
+                <a:spcPct val="90000"/>
+              </a:lnSpc>
+              <a:spcBef>
+                <a:spcPts val="500"/>
+              </a:spcBef>
+              <a:buFont typeface="Arial" panose="020B0604020202020204" pitchFamily="34" charset="0"/>
+              <a:buChar char="•"/>
+              <a:defRPr kumimoji="1" sz="2400" kern="1200">
+                <a:solidFill>
+                  <a:schemeClr val="tx1"/>
+                </a:solidFill>
+                <a:latin typeface="+mn-lt"/>
+                <a:ea typeface="+mn-ea"/>
+                <a:cs typeface="+mn-cs"/>
+              </a:defRPr>
+            </a:lvl2pPr>
+            <a:lvl3pPr marL="1143000" indent="-228600" algn="l" defTabSz="914400" rtl="0" eaLnBrk="1" latinLnBrk="0" hangingPunct="1">
+              <a:lnSpc>
+                <a:spcPct val="90000"/>
+              </a:lnSpc>
+              <a:spcBef>
+                <a:spcPts val="500"/>
+              </a:spcBef>
+              <a:buFont typeface="Arial" panose="020B0604020202020204" pitchFamily="34" charset="0"/>
+              <a:buChar char="•"/>
+              <a:defRPr kumimoji="1" sz="2000" kern="1200">
+                <a:solidFill>
+                  <a:schemeClr val="tx1"/>
+                </a:solidFill>
+                <a:latin typeface="+mn-lt"/>
+                <a:ea typeface="+mn-ea"/>
+                <a:cs typeface="+mn-cs"/>
+              </a:defRPr>
+            </a:lvl3pPr>
+            <a:lvl4pPr marL="1600200" indent="-228600" algn="l" defTabSz="914400" rtl="0" eaLnBrk="1" latinLnBrk="0" hangingPunct="1">
+              <a:lnSpc>
+                <a:spcPct val="90000"/>
+              </a:lnSpc>
+              <a:spcBef>
+                <a:spcPts val="500"/>
+              </a:spcBef>
+              <a:buFont typeface="Arial" panose="020B0604020202020204" pitchFamily="34" charset="0"/>
+              <a:buChar char="•"/>
+              <a:defRPr kumimoji="1" sz="1800" kern="1200">
+                <a:solidFill>
+                  <a:schemeClr val="tx1"/>
+                </a:solidFill>
+                <a:latin typeface="+mn-lt"/>
+                <a:ea typeface="+mn-ea"/>
+                <a:cs typeface="+mn-cs"/>
+              </a:defRPr>
+            </a:lvl4pPr>
+            <a:lvl5pPr marL="2057400" indent="-228600" algn="l" defTabSz="914400" rtl="0" eaLnBrk="1" latinLnBrk="0" hangingPunct="1">
+              <a:lnSpc>
+                <a:spcPct val="90000"/>
+              </a:lnSpc>
+              <a:spcBef>
+                <a:spcPts val="500"/>
+              </a:spcBef>
+              <a:buFont typeface="Arial" panose="020B0604020202020204" pitchFamily="34" charset="0"/>
+              <a:buChar char="•"/>
+              <a:defRPr kumimoji="1" sz="1800" kern="1200">
+                <a:solidFill>
+                  <a:schemeClr val="tx1"/>
+                </a:solidFill>
+                <a:latin typeface="+mn-lt"/>
+                <a:ea typeface="+mn-ea"/>
+                <a:cs typeface="+mn-cs"/>
+              </a:defRPr>
+            </a:lvl5pPr>
+            <a:lvl6pPr marL="2514600" indent="-228600" algn="l" defTabSz="914400" rtl="0" eaLnBrk="1" latinLnBrk="0" hangingPunct="1">
+              <a:lnSpc>
+                <a:spcPct val="90000"/>
+              </a:lnSpc>
+              <a:spcBef>
+                <a:spcPts val="500"/>
+              </a:spcBef>
+              <a:buFont typeface="Arial" panose="020B0604020202020204" pitchFamily="34" charset="0"/>
+              <a:buChar char="•"/>
+              <a:defRPr kumimoji="1" sz="1800" kern="1200">
+                <a:solidFill>
+                  <a:schemeClr val="tx1"/>
+                </a:solidFill>
+                <a:latin typeface="+mn-lt"/>
+                <a:ea typeface="+mn-ea"/>
+                <a:cs typeface="+mn-cs"/>
+              </a:defRPr>
+            </a:lvl6pPr>
+            <a:lvl7pPr marL="2971800" indent="-228600" algn="l" defTabSz="914400" rtl="0" eaLnBrk="1" latinLnBrk="0" hangingPunct="1">
+              <a:lnSpc>
+                <a:spcPct val="90000"/>
+              </a:lnSpc>
+              <a:spcBef>
+                <a:spcPts val="500"/>
+              </a:spcBef>
+              <a:buFont typeface="Arial" panose="020B0604020202020204" pitchFamily="34" charset="0"/>
+              <a:buChar char="•"/>
+              <a:defRPr kumimoji="1" sz="1800" kern="1200">
+                <a:solidFill>
+                  <a:schemeClr val="tx1"/>
+                </a:solidFill>
+                <a:latin typeface="+mn-lt"/>
+                <a:ea typeface="+mn-ea"/>
+                <a:cs typeface="+mn-cs"/>
+              </a:defRPr>
+            </a:lvl7pPr>
+            <a:lvl8pPr marL="3429000" indent="-228600" algn="l" defTabSz="914400" rtl="0" eaLnBrk="1" latinLnBrk="0" hangingPunct="1">
+              <a:lnSpc>
+                <a:spcPct val="90000"/>
+              </a:lnSpc>
+              <a:spcBef>
+                <a:spcPts val="500"/>
+              </a:spcBef>
+              <a:buFont typeface="Arial" panose="020B0604020202020204" pitchFamily="34" charset="0"/>
+              <a:buChar char="•"/>
+              <a:defRPr kumimoji="1" sz="1800" kern="1200">
+                <a:solidFill>
+                  <a:schemeClr val="tx1"/>
+                </a:solidFill>
+                <a:latin typeface="+mn-lt"/>
+                <a:ea typeface="+mn-ea"/>
+                <a:cs typeface="+mn-cs"/>
+              </a:defRPr>
+            </a:lvl8pPr>
+            <a:lvl9pPr marL="3886200" indent="-228600" algn="l" defTabSz="914400" rtl="0" eaLnBrk="1" latinLnBrk="0" hangingPunct="1">
+              <a:lnSpc>
+                <a:spcPct val="90000"/>
+              </a:lnSpc>
+              <a:spcBef>
+                <a:spcPts val="500"/>
+              </a:spcBef>
+              <a:buFont typeface="Arial" panose="020B0604020202020204" pitchFamily="34" charset="0"/>
+              <a:buChar char="•"/>
+              <a:defRPr kumimoji="1" sz="1800" kern="1200">
+                <a:solidFill>
+                  <a:schemeClr val="tx1"/>
+                </a:solidFill>
+                <a:latin typeface="+mn-lt"/>
+                <a:ea typeface="+mn-ea"/>
+                <a:cs typeface="+mn-cs"/>
+              </a:defRPr>
+            </a:lvl9pPr>
+          </a:lstStyle>
+          <a:p>
+            <a:pPr marL="0" indent="0" algn="ctr">
+              <a:lnSpc>
+                <a:spcPct val="100000"/>
+              </a:lnSpc>
+              <a:buNone/>
+            </a:pPr>
+            <a:r>
+              <a:rPr lang="ja-JP" altLang="en-US" sz="3200" b="1" dirty="0"/>
+              <a:t>ボス</a:t>
+            </a:r>
+            <a:r>
+              <a:rPr lang="ja-JP" altLang="en-US" sz="3200" b="1" dirty="0" smtClean="0"/>
+              <a:t>に大ダメージ！モブを殲滅！</a:t>
+            </a:r>
+            <a:endParaRPr lang="en-US" altLang="ja-JP" sz="3200" b="1" dirty="0"/>
+          </a:p>
+        </p:txBody>
+      </p:sp>
+      <p:sp>
+        <p:nvSpPr>
+          <p:cNvPr id="12" name="コンテンツ プレースホルダー 2"/>
+          <p:cNvSpPr txBox="1">
+            <a:spLocks/>
+          </p:cNvSpPr>
+          <p:nvPr/>
+        </p:nvSpPr>
+        <p:spPr>
+          <a:xfrm>
+            <a:off x="1426271" y="5454868"/>
+            <a:ext cx="6336061" cy="446981"/>
+          </a:xfrm>
+          <a:prstGeom prst="rect">
+            <a:avLst/>
+          </a:prstGeom>
+        </p:spPr>
+        <p:txBody>
+          <a:bodyPr vert="horz" lIns="91440" tIns="45720" rIns="91440" bIns="45720" rtlCol="0">
+            <a:noAutofit/>
+          </a:bodyPr>
+          <a:lstStyle>
+            <a:lvl1pPr marL="228600" indent="-228600" algn="l" defTabSz="914400" rtl="0" eaLnBrk="1" latinLnBrk="0" hangingPunct="1">
+              <a:lnSpc>
+                <a:spcPct val="90000"/>
+              </a:lnSpc>
+              <a:spcBef>
+                <a:spcPts val="1000"/>
+              </a:spcBef>
+              <a:buFont typeface="Arial" panose="020B0604020202020204" pitchFamily="34" charset="0"/>
+              <a:buChar char="•"/>
+              <a:defRPr kumimoji="1" sz="2800" kern="1200">
+                <a:solidFill>
+                  <a:schemeClr val="tx1"/>
+                </a:solidFill>
+                <a:latin typeface="+mn-lt"/>
+                <a:ea typeface="+mn-ea"/>
+                <a:cs typeface="+mn-cs"/>
+              </a:defRPr>
+            </a:lvl1pPr>
+            <a:lvl2pPr marL="685800" indent="-228600" algn="l" defTabSz="914400" rtl="0" eaLnBrk="1" latinLnBrk="0" hangingPunct="1">
+              <a:lnSpc>
+                <a:spcPct val="90000"/>
+              </a:lnSpc>
+              <a:spcBef>
+                <a:spcPts val="500"/>
+              </a:spcBef>
+              <a:buFont typeface="Arial" panose="020B0604020202020204" pitchFamily="34" charset="0"/>
+              <a:buChar char="•"/>
+              <a:defRPr kumimoji="1" sz="2400" kern="1200">
+                <a:solidFill>
+                  <a:schemeClr val="tx1"/>
+                </a:solidFill>
+                <a:latin typeface="+mn-lt"/>
+                <a:ea typeface="+mn-ea"/>
+                <a:cs typeface="+mn-cs"/>
+              </a:defRPr>
+            </a:lvl2pPr>
+            <a:lvl3pPr marL="1143000" indent="-228600" algn="l" defTabSz="914400" rtl="0" eaLnBrk="1" latinLnBrk="0" hangingPunct="1">
+              <a:lnSpc>
+                <a:spcPct val="90000"/>
+              </a:lnSpc>
+              <a:spcBef>
+                <a:spcPts val="500"/>
+              </a:spcBef>
+              <a:buFont typeface="Arial" panose="020B0604020202020204" pitchFamily="34" charset="0"/>
+              <a:buChar char="•"/>
+              <a:defRPr kumimoji="1" sz="2000" kern="1200">
+                <a:solidFill>
+                  <a:schemeClr val="tx1"/>
+                </a:solidFill>
+                <a:latin typeface="+mn-lt"/>
+                <a:ea typeface="+mn-ea"/>
+                <a:cs typeface="+mn-cs"/>
+              </a:defRPr>
+            </a:lvl3pPr>
+            <a:lvl4pPr marL="1600200" indent="-228600" algn="l" defTabSz="914400" rtl="0" eaLnBrk="1" latinLnBrk="0" hangingPunct="1">
+              <a:lnSpc>
+                <a:spcPct val="90000"/>
+              </a:lnSpc>
+              <a:spcBef>
+                <a:spcPts val="500"/>
+              </a:spcBef>
+              <a:buFont typeface="Arial" panose="020B0604020202020204" pitchFamily="34" charset="0"/>
+              <a:buChar char="•"/>
+              <a:defRPr kumimoji="1" sz="1800" kern="1200">
+                <a:solidFill>
+                  <a:schemeClr val="tx1"/>
+                </a:solidFill>
+                <a:latin typeface="+mn-lt"/>
+                <a:ea typeface="+mn-ea"/>
+                <a:cs typeface="+mn-cs"/>
+              </a:defRPr>
+            </a:lvl4pPr>
+            <a:lvl5pPr marL="2057400" indent="-228600" algn="l" defTabSz="914400" rtl="0" eaLnBrk="1" latinLnBrk="0" hangingPunct="1">
+              <a:lnSpc>
+                <a:spcPct val="90000"/>
+              </a:lnSpc>
+              <a:spcBef>
+                <a:spcPts val="500"/>
+              </a:spcBef>
+              <a:buFont typeface="Arial" panose="020B0604020202020204" pitchFamily="34" charset="0"/>
+              <a:buChar char="•"/>
+              <a:defRPr kumimoji="1" sz="1800" kern="1200">
+                <a:solidFill>
+                  <a:schemeClr val="tx1"/>
+                </a:solidFill>
+                <a:latin typeface="+mn-lt"/>
+                <a:ea typeface="+mn-ea"/>
+                <a:cs typeface="+mn-cs"/>
+              </a:defRPr>
+            </a:lvl5pPr>
+            <a:lvl6pPr marL="2514600" indent="-228600" algn="l" defTabSz="914400" rtl="0" eaLnBrk="1" latinLnBrk="0" hangingPunct="1">
+              <a:lnSpc>
+                <a:spcPct val="90000"/>
+              </a:lnSpc>
+              <a:spcBef>
+                <a:spcPts val="500"/>
+              </a:spcBef>
+              <a:buFont typeface="Arial" panose="020B0604020202020204" pitchFamily="34" charset="0"/>
+              <a:buChar char="•"/>
+              <a:defRPr kumimoji="1" sz="1800" kern="1200">
+                <a:solidFill>
+                  <a:schemeClr val="tx1"/>
+                </a:solidFill>
+                <a:latin typeface="+mn-lt"/>
+                <a:ea typeface="+mn-ea"/>
+                <a:cs typeface="+mn-cs"/>
+              </a:defRPr>
+            </a:lvl6pPr>
+            <a:lvl7pPr marL="2971800" indent="-228600" algn="l" defTabSz="914400" rtl="0" eaLnBrk="1" latinLnBrk="0" hangingPunct="1">
+              <a:lnSpc>
+                <a:spcPct val="90000"/>
+              </a:lnSpc>
+              <a:spcBef>
+                <a:spcPts val="500"/>
+              </a:spcBef>
+              <a:buFont typeface="Arial" panose="020B0604020202020204" pitchFamily="34" charset="0"/>
+              <a:buChar char="•"/>
+              <a:defRPr kumimoji="1" sz="1800" kern="1200">
+                <a:solidFill>
+                  <a:schemeClr val="tx1"/>
+                </a:solidFill>
+                <a:latin typeface="+mn-lt"/>
+                <a:ea typeface="+mn-ea"/>
+                <a:cs typeface="+mn-cs"/>
+              </a:defRPr>
+            </a:lvl7pPr>
+            <a:lvl8pPr marL="3429000" indent="-228600" algn="l" defTabSz="914400" rtl="0" eaLnBrk="1" latinLnBrk="0" hangingPunct="1">
+              <a:lnSpc>
+                <a:spcPct val="90000"/>
+              </a:lnSpc>
+              <a:spcBef>
+                <a:spcPts val="500"/>
+              </a:spcBef>
+              <a:buFont typeface="Arial" panose="020B0604020202020204" pitchFamily="34" charset="0"/>
+              <a:buChar char="•"/>
+              <a:defRPr kumimoji="1" sz="1800" kern="1200">
+                <a:solidFill>
+                  <a:schemeClr val="tx1"/>
+                </a:solidFill>
+                <a:latin typeface="+mn-lt"/>
+                <a:ea typeface="+mn-ea"/>
+                <a:cs typeface="+mn-cs"/>
+              </a:defRPr>
+            </a:lvl8pPr>
+            <a:lvl9pPr marL="3886200" indent="-228600" algn="l" defTabSz="914400" rtl="0" eaLnBrk="1" latinLnBrk="0" hangingPunct="1">
+              <a:lnSpc>
+                <a:spcPct val="90000"/>
+              </a:lnSpc>
+              <a:spcBef>
+                <a:spcPts val="500"/>
+              </a:spcBef>
+              <a:buFont typeface="Arial" panose="020B0604020202020204" pitchFamily="34" charset="0"/>
+              <a:buChar char="•"/>
+              <a:defRPr kumimoji="1" sz="1800" kern="1200">
+                <a:solidFill>
+                  <a:schemeClr val="tx1"/>
+                </a:solidFill>
+                <a:latin typeface="+mn-lt"/>
+                <a:ea typeface="+mn-ea"/>
+                <a:cs typeface="+mn-cs"/>
+              </a:defRPr>
+            </a:lvl9pPr>
+          </a:lstStyle>
+          <a:p>
+            <a:pPr marL="0" indent="0" algn="ctr">
+              <a:lnSpc>
+                <a:spcPct val="100000"/>
+              </a:lnSpc>
+              <a:buNone/>
+            </a:pPr>
+            <a:r>
+              <a:rPr lang="ja-JP" altLang="en-US" sz="2400" b="1" dirty="0" smtClean="0"/>
+              <a:t>敵を倒すとスキルが溜まる</a:t>
+            </a:r>
+            <a:endParaRPr lang="en-US" altLang="ja-JP" sz="2400" b="1" dirty="0" smtClean="0"/>
+          </a:p>
+          <a:p>
+            <a:pPr marL="0" indent="0" algn="ctr">
+              <a:lnSpc>
+                <a:spcPct val="100000"/>
+              </a:lnSpc>
+              <a:buNone/>
+            </a:pPr>
+            <a:endParaRPr lang="en-US" altLang="ja-JP" sz="2400" b="1" dirty="0"/>
+          </a:p>
+        </p:txBody>
+      </p:sp>
     </p:spTree>
     <p:extLst>
       <p:ext uri="{BB962C8B-B14F-4D97-AF65-F5344CB8AC3E}">
@@ -6162,215 +7718,6 @@
 </file>
 
 <file path=ppt/slides/slide7.xml><?xml version="1.0" encoding="utf-8"?>
-<p:sld xmlns:a="http://schemas.openxmlformats.org/drawingml/2006/main" xmlns:r="http://schemas.openxmlformats.org/officeDocument/2006/relationships" xmlns:p="http://schemas.openxmlformats.org/presentationml/2006/main">
-  <p:cSld>
-    <p:spTree>
-      <p:nvGrpSpPr>
-        <p:cNvPr id="1" name=""/>
-        <p:cNvGrpSpPr/>
-        <p:nvPr/>
-      </p:nvGrpSpPr>
-      <p:grpSpPr>
-        <a:xfrm>
-          <a:off x="0" y="0"/>
-          <a:ext cx="0" cy="0"/>
-          <a:chOff x="0" y="0"/>
-          <a:chExt cx="0" cy="0"/>
-        </a:xfrm>
-      </p:grpSpPr>
-      <p:sp>
-        <p:nvSpPr>
-          <p:cNvPr id="2" name="タイトル 1"/>
-          <p:cNvSpPr>
-            <a:spLocks noGrp="1"/>
-          </p:cNvSpPr>
-          <p:nvPr>
-            <p:ph type="title"/>
-          </p:nvPr>
-        </p:nvSpPr>
-        <p:spPr/>
-        <p:txBody>
-          <a:bodyPr>
-            <a:normAutofit fontScale="90000"/>
-          </a:bodyPr>
-          <a:lstStyle/>
-          <a:p>
-            <a:endParaRPr kumimoji="1" lang="ja-JP" altLang="en-US" dirty="0"/>
-          </a:p>
-        </p:txBody>
-      </p:sp>
-      <p:sp>
-        <p:nvSpPr>
-          <p:cNvPr id="3" name="コンテンツ プレースホルダー 2"/>
-          <p:cNvSpPr>
-            <a:spLocks noGrp="1"/>
-          </p:cNvSpPr>
-          <p:nvPr>
-            <p:ph idx="1"/>
-          </p:nvPr>
-        </p:nvSpPr>
-        <p:spPr>
-          <a:xfrm>
-            <a:off x="5378450" y="1181100"/>
-            <a:ext cx="3136900" cy="2593181"/>
-          </a:xfrm>
-        </p:spPr>
-        <p:txBody>
-          <a:bodyPr/>
-          <a:lstStyle/>
-          <a:p>
-            <a:pPr marL="0" indent="0">
-              <a:buNone/>
-            </a:pPr>
-            <a:r>
-              <a:rPr lang="ja-JP" altLang="en-US" dirty="0"/>
-              <a:t>■剣</a:t>
-            </a:r>
-            <a:r>
-              <a:rPr lang="ja-JP" altLang="en-US" dirty="0" smtClean="0"/>
-              <a:t>（単体攻撃）</a:t>
-            </a:r>
-            <a:endParaRPr lang="en-US" altLang="ja-JP" dirty="0"/>
-          </a:p>
-          <a:p>
-            <a:pPr marL="0" indent="0">
-              <a:buNone/>
-            </a:pPr>
-            <a:endParaRPr kumimoji="1" lang="ja-JP" altLang="en-US" dirty="0"/>
-          </a:p>
-        </p:txBody>
-      </p:sp>
-      <p:pic>
-        <p:nvPicPr>
-          <p:cNvPr id="5" name="図 4"/>
-          <p:cNvPicPr>
-            <a:picLocks noChangeAspect="1"/>
-          </p:cNvPicPr>
-          <p:nvPr/>
-        </p:nvPicPr>
-        <p:blipFill rotWithShape="1">
-          <a:blip r:embed="rId3" cstate="print">
-            <a:extLst>
-              <a:ext uri="{28A0092B-C50C-407E-A947-70E740481C1C}">
-                <a14:useLocalDpi xmlns:a14="http://schemas.microsoft.com/office/drawing/2010/main" val="0"/>
-              </a:ext>
-            </a:extLst>
-          </a:blip>
-          <a:srcRect t="3071"/>
-          <a:stretch/>
-        </p:blipFill>
-        <p:spPr>
-          <a:xfrm>
-            <a:off x="622300" y="1181101"/>
-            <a:ext cx="4756150" cy="2593181"/>
-          </a:xfrm>
-          <a:prstGeom prst="rect">
-            <a:avLst/>
-          </a:prstGeom>
-        </p:spPr>
-      </p:pic>
-    </p:spTree>
-    <p:extLst>
-      <p:ext uri="{BB962C8B-B14F-4D97-AF65-F5344CB8AC3E}">
-        <p14:creationId xmlns:p14="http://schemas.microsoft.com/office/powerpoint/2010/main" val="953876224"/>
-      </p:ext>
-    </p:extLst>
-  </p:cSld>
-  <p:clrMapOvr>
-    <a:masterClrMapping/>
-  </p:clrMapOvr>
-  <p:timing>
-    <p:tnLst>
-      <p:par>
-        <p:cTn id="1" dur="indefinite" restart="never" nodeType="tmRoot"/>
-      </p:par>
-    </p:tnLst>
-  </p:timing>
-</p:sld>
-</file>
-
-<file path=ppt/slides/slide8.xml><?xml version="1.0" encoding="utf-8"?>
-<p:sld xmlns:a="http://schemas.openxmlformats.org/drawingml/2006/main" xmlns:r="http://schemas.openxmlformats.org/officeDocument/2006/relationships" xmlns:p="http://schemas.openxmlformats.org/presentationml/2006/main">
-  <p:cSld>
-    <p:spTree>
-      <p:nvGrpSpPr>
-        <p:cNvPr id="1" name=""/>
-        <p:cNvGrpSpPr/>
-        <p:nvPr/>
-      </p:nvGrpSpPr>
-      <p:grpSpPr>
-        <a:xfrm>
-          <a:off x="0" y="0"/>
-          <a:ext cx="0" cy="0"/>
-          <a:chOff x="0" y="0"/>
-          <a:chExt cx="0" cy="0"/>
-        </a:xfrm>
-      </p:grpSpPr>
-      <p:sp>
-        <p:nvSpPr>
-          <p:cNvPr id="2" name="タイトル 1"/>
-          <p:cNvSpPr>
-            <a:spLocks noGrp="1"/>
-          </p:cNvSpPr>
-          <p:nvPr>
-            <p:ph type="title"/>
-          </p:nvPr>
-        </p:nvSpPr>
-        <p:spPr/>
-        <p:txBody>
-          <a:bodyPr>
-            <a:normAutofit fontScale="90000"/>
-          </a:bodyPr>
-          <a:lstStyle/>
-          <a:p>
-            <a:r>
-              <a:rPr kumimoji="1" lang="ja-JP" altLang="en-US" dirty="0" smtClean="0"/>
-              <a:t>アビリティ</a:t>
-            </a:r>
-            <a:endParaRPr kumimoji="1" lang="ja-JP" altLang="en-US" dirty="0"/>
-          </a:p>
-        </p:txBody>
-      </p:sp>
-      <p:sp>
-        <p:nvSpPr>
-          <p:cNvPr id="3" name="コンテンツ プレースホルダー 2"/>
-          <p:cNvSpPr>
-            <a:spLocks noGrp="1"/>
-          </p:cNvSpPr>
-          <p:nvPr>
-            <p:ph idx="1"/>
-          </p:nvPr>
-        </p:nvSpPr>
-        <p:spPr/>
-        <p:txBody>
-          <a:bodyPr/>
-          <a:lstStyle/>
-          <a:p>
-            <a:endParaRPr kumimoji="1" lang="ja-JP" altLang="en-US" dirty="0"/>
-          </a:p>
-        </p:txBody>
-      </p:sp>
-    </p:spTree>
-    <p:extLst>
-      <p:ext uri="{BB962C8B-B14F-4D97-AF65-F5344CB8AC3E}">
-        <p14:creationId xmlns:p14="http://schemas.microsoft.com/office/powerpoint/2010/main" val="2877916795"/>
-      </p:ext>
-    </p:extLst>
-  </p:cSld>
-  <p:clrMapOvr>
-    <a:masterClrMapping/>
-  </p:clrMapOvr>
-  <p:timing>
-    <p:tnLst>
-      <p:par>
-        <p:cTn id="1" dur="indefinite" restart="never" nodeType="tmRoot"/>
-      </p:par>
-    </p:tnLst>
-  </p:timing>
-</p:sld>
-</file>
-
-<file path=ppt/slides/slide9.xml><?xml version="1.0" encoding="utf-8"?>
 <p:sld xmlns:a="http://schemas.openxmlformats.org/drawingml/2006/main" xmlns:r="http://schemas.openxmlformats.org/officeDocument/2006/relationships" xmlns:p="http://schemas.openxmlformats.org/presentationml/2006/main">
   <p:cSld>
     <p:spTree>
